--- a/Documentation/Presentation/Final_Presentation.pptx
+++ b/Documentation/Presentation/Final_Presentation.pptx
@@ -120,7 +120,7 @@
               <a:rPr b="0" lang="de-DE" sz="1400" spc="-1" strike="noStrike">
                 <a:latin typeface="Times New Roman"/>
               </a:rPr>
-              <a:t>&lt;header&gt;</a:t>
+              <a:t> </a:t>
             </a:r>
             <a:endParaRPr b="0" lang="de-DE" sz="1400" spc="-1" strike="noStrike">
               <a:latin typeface="Times New Roman"/>
@@ -155,7 +155,7 @@
               <a:rPr b="0" lang="de-DE" sz="1400" spc="-1" strike="noStrike">
                 <a:latin typeface="Times New Roman"/>
               </a:rPr>
-              <a:t>&lt;date/time&gt;</a:t>
+              <a:t> </a:t>
             </a:r>
             <a:endParaRPr b="0" lang="de-DE" sz="1400" spc="-1" strike="noStrike">
               <a:latin typeface="Times New Roman"/>
@@ -189,7 +189,7 @@
               <a:rPr b="0" lang="de-DE" sz="1400" spc="-1" strike="noStrike">
                 <a:latin typeface="Times New Roman"/>
               </a:rPr>
-              <a:t>&lt;footer&gt;</a:t>
+              <a:t> </a:t>
             </a:r>
             <a:endParaRPr b="0" lang="de-DE" sz="1400" spc="-1" strike="noStrike">
               <a:latin typeface="Times New Roman"/>
@@ -220,11 +220,11 @@
           <a:bodyPr lIns="0" rIns="0" tIns="0" bIns="0" anchor="b"/>
           <a:p>
             <a:pPr algn="r"/>
-            <a:fld id="{6CD15392-0943-4337-893B-6327AD062262}" type="slidenum">
+            <a:fld id="{DD59E68B-3F6E-4926-B2BF-279E9E4CCD76}" type="slidenum">
               <a:rPr b="0" lang="de-DE" sz="1400" spc="-1" strike="noStrike">
                 <a:latin typeface="Times New Roman"/>
               </a:rPr>
-              <a:t>&lt;number&gt;</a:t>
+              <a:t>1</a:t>
             </a:fld>
             <a:endParaRPr b="0" lang="de-DE" sz="1400" spc="-1" strike="noStrike">
               <a:latin typeface="Times New Roman"/>
@@ -257,7 +257,7 @@
       </p:grpSpPr>
       <p:sp>
         <p:nvSpPr>
-          <p:cNvPr id="198" name="PlaceHolder 1"/>
+          <p:cNvPr id="199" name="PlaceHolder 1"/>
           <p:cNvSpPr>
             <a:spLocks noGrp="1"/>
           </p:cNvSpPr>
@@ -296,7 +296,7 @@
       </p:sp>
       <p:sp>
         <p:nvSpPr>
-          <p:cNvPr id="199" name="CustomShape 2"/>
+          <p:cNvPr id="200" name="CustomShape 2"/>
           <p:cNvSpPr/>
           <p:nvPr/>
         </p:nvSpPr>
@@ -327,7 +327,7 @@
                 <a:spcPct val="100000"/>
               </a:lnSpc>
             </a:pPr>
-            <a:fld id="{EE679174-A648-490F-B9DD-505C39EF599F}" type="slidenum">
+            <a:fld id="{209DDD90-052F-4FFA-8E09-242D0002C61D}" type="slidenum">
               <a:rPr b="0" lang="de-DE" sz="1200" spc="-1" strike="noStrike">
                 <a:solidFill>
                   <a:srgbClr val="000000"/>
@@ -367,7 +367,7 @@
       </p:grpSpPr>
       <p:sp>
         <p:nvSpPr>
-          <p:cNvPr id="194" name="PlaceHolder 1"/>
+          <p:cNvPr id="195" name="PlaceHolder 1"/>
           <p:cNvSpPr>
             <a:spLocks noGrp="1"/>
           </p:cNvSpPr>
@@ -442,7 +442,7 @@
       </p:sp>
       <p:sp>
         <p:nvSpPr>
-          <p:cNvPr id="195" name="CustomShape 2"/>
+          <p:cNvPr id="196" name="CustomShape 2"/>
           <p:cNvSpPr/>
           <p:nvPr/>
         </p:nvSpPr>
@@ -473,7 +473,7 @@
                 <a:spcPct val="100000"/>
               </a:lnSpc>
             </a:pPr>
-            <a:fld id="{16C7CAFB-8425-4A08-8558-78E4FF5A0C67}" type="slidenum">
+            <a:fld id="{7F41C4B7-A991-4EEF-8A37-AE6622DA8F3D}" type="slidenum">
               <a:rPr b="0" lang="de-DE" sz="1200" spc="-1" strike="noStrike">
                 <a:solidFill>
                   <a:srgbClr val="000000"/>
@@ -481,7 +481,7 @@
                 <a:latin typeface="+mn-lt"/>
                 <a:ea typeface="+mn-ea"/>
               </a:rPr>
-              <a:t>&lt;number&gt;</a:t>
+              <a:t>1</a:t>
             </a:fld>
             <a:endParaRPr b="0" lang="de-DE" sz="1200" spc="-1" strike="noStrike">
               <a:latin typeface="Arial"/>
@@ -513,7 +513,7 @@
       </p:grpSpPr>
       <p:sp>
         <p:nvSpPr>
-          <p:cNvPr id="196" name="PlaceHolder 1"/>
+          <p:cNvPr id="197" name="PlaceHolder 1"/>
           <p:cNvSpPr>
             <a:spLocks noGrp="1"/>
           </p:cNvSpPr>
@@ -636,7 +636,7 @@
       </p:sp>
       <p:sp>
         <p:nvSpPr>
-          <p:cNvPr id="197" name="CustomShape 2"/>
+          <p:cNvPr id="198" name="CustomShape 2"/>
           <p:cNvSpPr/>
           <p:nvPr/>
         </p:nvSpPr>
@@ -667,7 +667,7 @@
                 <a:spcPct val="100000"/>
               </a:lnSpc>
             </a:pPr>
-            <a:fld id="{C4A37D98-9504-47FA-9CAE-C2FA1F71A9ED}" type="slidenum">
+            <a:fld id="{F3E09BC4-0362-4986-AFFD-3EDC2AC46483}" type="slidenum">
               <a:rPr b="0" lang="de-DE" sz="1200" spc="-1" strike="noStrike">
                 <a:solidFill>
                   <a:srgbClr val="000000"/>
@@ -675,7 +675,7 @@
                 <a:latin typeface="+mn-lt"/>
                 <a:ea typeface="+mn-ea"/>
               </a:rPr>
-              <a:t>&lt;number&gt;</a:t>
+              <a:t>1</a:t>
             </a:fld>
             <a:endParaRPr b="0" lang="de-DE" sz="1200" spc="-1" strike="noStrike">
               <a:latin typeface="Arial"/>
@@ -4610,7 +4610,7 @@
                 <a:latin typeface="Century Gothic"/>
                 <a:ea typeface="DejaVu Sans"/>
               </a:rPr>
-              <a:t>Workflow</a:t>
+              <a:t>Automation</a:t>
             </a:r>
             <a:endParaRPr b="0" lang="de-DE" sz="2200" spc="-1" strike="noStrike">
               <a:latin typeface="Arial"/>
@@ -4633,30 +4633,7 @@
                 <a:latin typeface="Century Gothic"/>
                 <a:ea typeface="DejaVu Sans"/>
               </a:rPr>
-              <a:t>Config</a:t>
-            </a:r>
-            <a:endParaRPr b="0" lang="de-DE" sz="2200" spc="-1" strike="noStrike">
-              <a:latin typeface="Arial"/>
-            </a:endParaRPr>
-          </a:p>
-          <a:p>
-            <a:pPr>
-              <a:lnSpc>
-                <a:spcPct val="100000"/>
-              </a:lnSpc>
-              <a:spcBef>
-                <a:spcPts val="1001"/>
-              </a:spcBef>
-            </a:pPr>
-            <a:r>
-              <a:rPr b="0" lang="de-DE" sz="2200" spc="-1" strike="noStrike" cap="all">
-                <a:solidFill>
-                  <a:srgbClr val="ef53a5"/>
-                </a:solidFill>
-                <a:latin typeface="Century Gothic"/>
-                <a:ea typeface="DejaVu Sans"/>
-              </a:rPr>
-              <a:t>Automation</a:t>
+              <a:t>RISK Management</a:t>
             </a:r>
             <a:endParaRPr b="0" lang="de-DE" sz="2200" spc="-1" strike="noStrike">
               <a:latin typeface="Arial"/>
@@ -6755,6 +6732,65 @@
           </a:ln>
         </p:spPr>
       </p:pic>
+      <p:sp>
+        <p:nvSpPr>
+          <p:cNvPr id="158" name="CustomShape 15"/>
+          <p:cNvSpPr/>
+          <p:nvPr/>
+        </p:nvSpPr>
+        <p:spPr>
+          <a:xfrm>
+            <a:off x="9214920" y="4318560"/>
+            <a:ext cx="721080" cy="1225440"/>
+          </a:xfrm>
+          <a:custGeom>
+            <a:avLst/>
+            <a:gdLst/>
+            <a:ahLst/>
+            <a:rect l="0" t="0" r="r" b="b"/>
+            <a:pathLst>
+              <a:path w="2005" h="3406">
+                <a:moveTo>
+                  <a:pt x="501" y="0"/>
+                </a:moveTo>
+                <a:lnTo>
+                  <a:pt x="501" y="2553"/>
+                </a:lnTo>
+                <a:lnTo>
+                  <a:pt x="0" y="2553"/>
+                </a:lnTo>
+                <a:lnTo>
+                  <a:pt x="1002" y="3405"/>
+                </a:lnTo>
+                <a:lnTo>
+                  <a:pt x="2004" y="2553"/>
+                </a:lnTo>
+                <a:lnTo>
+                  <a:pt x="1503" y="2553"/>
+                </a:lnTo>
+                <a:lnTo>
+                  <a:pt x="1503" y="0"/>
+                </a:lnTo>
+                <a:lnTo>
+                  <a:pt x="501" y="0"/>
+                </a:lnTo>
+              </a:path>
+            </a:pathLst>
+          </a:custGeom>
+          <a:noFill/>
+          <a:ln>
+            <a:solidFill>
+              <a:srgbClr val="000000"/>
+            </a:solidFill>
+          </a:ln>
+        </p:spPr>
+        <p:style>
+          <a:lnRef idx="0"/>
+          <a:fillRef idx="0"/>
+          <a:effectRef idx="0"/>
+          <a:fontRef idx="minor"/>
+        </p:style>
+      </p:sp>
     </p:spTree>
   </p:cSld>
   <p:timing>
@@ -6806,7 +6842,7 @@
       </p:grpSpPr>
       <p:sp>
         <p:nvSpPr>
-          <p:cNvPr id="158" name="CustomShape 1"/>
+          <p:cNvPr id="159" name="CustomShape 1"/>
           <p:cNvSpPr/>
           <p:nvPr/>
         </p:nvSpPr>
@@ -6832,7 +6868,7 @@
       </p:sp>
       <p:pic>
         <p:nvPicPr>
-          <p:cNvPr id="159" name="Picture 2" descr=""/>
+          <p:cNvPr id="160" name="Picture 2" descr=""/>
           <p:cNvPicPr/>
           <p:nvPr/>
         </p:nvPicPr>
@@ -6855,7 +6891,7 @@
       </p:pic>
       <p:sp>
         <p:nvSpPr>
-          <p:cNvPr id="160" name="CustomShape 2"/>
+          <p:cNvPr id="161" name="CustomShape 2"/>
           <p:cNvSpPr/>
           <p:nvPr/>
         </p:nvSpPr>
@@ -6953,7 +6989,7 @@
       </p:grpSpPr>
       <p:sp>
         <p:nvSpPr>
-          <p:cNvPr id="161" name="CustomShape 1"/>
+          <p:cNvPr id="162" name="CustomShape 1"/>
           <p:cNvSpPr/>
           <p:nvPr/>
         </p:nvSpPr>
@@ -6979,7 +7015,7 @@
       </p:sp>
       <p:pic>
         <p:nvPicPr>
-          <p:cNvPr id="162" name="Content Placeholder 4" descr=""/>
+          <p:cNvPr id="163" name="Content Placeholder 4" descr=""/>
           <p:cNvPicPr/>
           <p:nvPr/>
         </p:nvPicPr>
@@ -7002,7 +7038,7 @@
       </p:pic>
       <p:sp>
         <p:nvSpPr>
-          <p:cNvPr id="163" name="CustomShape 2"/>
+          <p:cNvPr id="164" name="CustomShape 2"/>
           <p:cNvSpPr/>
           <p:nvPr/>
         </p:nvSpPr>
@@ -7100,7 +7136,7 @@
       </p:grpSpPr>
       <p:pic>
         <p:nvPicPr>
-          <p:cNvPr id="164" name="Content Placeholder 4" descr=""/>
+          <p:cNvPr id="165" name="Content Placeholder 4" descr=""/>
           <p:cNvPicPr/>
           <p:nvPr/>
         </p:nvPicPr>
@@ -7123,7 +7159,7 @@
       </p:pic>
       <p:sp>
         <p:nvSpPr>
-          <p:cNvPr id="165" name="CustomShape 1"/>
+          <p:cNvPr id="166" name="CustomShape 1"/>
           <p:cNvSpPr/>
           <p:nvPr/>
         </p:nvSpPr>
@@ -7221,7 +7257,7 @@
       </p:grpSpPr>
       <p:pic>
         <p:nvPicPr>
-          <p:cNvPr id="166" name="Picture 2" descr=""/>
+          <p:cNvPr id="167" name="Picture 2" descr=""/>
           <p:cNvPicPr/>
           <p:nvPr/>
         </p:nvPicPr>
@@ -7244,7 +7280,7 @@
       </p:pic>
       <p:sp>
         <p:nvSpPr>
-          <p:cNvPr id="167" name="CustomShape 1"/>
+          <p:cNvPr id="168" name="CustomShape 1"/>
           <p:cNvSpPr/>
           <p:nvPr/>
         </p:nvSpPr>
@@ -7569,7 +7605,7 @@
       </p:grpSpPr>
       <p:sp>
         <p:nvSpPr>
-          <p:cNvPr id="168" name="CustomShape 1"/>
+          <p:cNvPr id="169" name="CustomShape 1"/>
           <p:cNvSpPr/>
           <p:nvPr/>
         </p:nvSpPr>
@@ -7595,7 +7631,7 @@
       </p:sp>
       <p:sp>
         <p:nvSpPr>
-          <p:cNvPr id="169" name="CustomShape 2"/>
+          <p:cNvPr id="170" name="CustomShape 2"/>
           <p:cNvSpPr/>
           <p:nvPr/>
         </p:nvSpPr>
@@ -7740,7 +7776,7 @@
       </p:sp>
       <p:sp>
         <p:nvSpPr>
-          <p:cNvPr id="170" name="CustomShape 3"/>
+          <p:cNvPr id="171" name="CustomShape 3"/>
           <p:cNvSpPr/>
           <p:nvPr/>
         </p:nvSpPr>
@@ -7838,7 +7874,7 @@
       </p:grpSpPr>
       <p:sp>
         <p:nvSpPr>
-          <p:cNvPr id="171" name="CustomShape 1"/>
+          <p:cNvPr id="172" name="CustomShape 1"/>
           <p:cNvSpPr/>
           <p:nvPr/>
         </p:nvSpPr>
@@ -7864,7 +7900,7 @@
       </p:sp>
       <p:pic>
         <p:nvPicPr>
-          <p:cNvPr id="172" name="Picture 2" descr=""/>
+          <p:cNvPr id="173" name="Picture 2" descr=""/>
           <p:cNvPicPr/>
           <p:nvPr/>
         </p:nvPicPr>
@@ -7887,7 +7923,7 @@
       </p:pic>
       <p:sp>
         <p:nvSpPr>
-          <p:cNvPr id="173" name="CustomShape 2"/>
+          <p:cNvPr id="174" name="CustomShape 2"/>
           <p:cNvSpPr/>
           <p:nvPr/>
         </p:nvSpPr>
@@ -7985,7 +8021,7 @@
       </p:grpSpPr>
       <p:sp>
         <p:nvSpPr>
-          <p:cNvPr id="174" name="CustomShape 1"/>
+          <p:cNvPr id="175" name="CustomShape 1"/>
           <p:cNvSpPr/>
           <p:nvPr/>
         </p:nvSpPr>
@@ -8011,7 +8047,7 @@
       </p:sp>
       <p:pic>
         <p:nvPicPr>
-          <p:cNvPr id="175" name="Picture 3" descr=""/>
+          <p:cNvPr id="176" name="Picture 3" descr=""/>
           <p:cNvPicPr/>
           <p:nvPr/>
         </p:nvPicPr>
@@ -8034,7 +8070,7 @@
       </p:pic>
       <p:sp>
         <p:nvSpPr>
-          <p:cNvPr id="176" name="CustomShape 2"/>
+          <p:cNvPr id="177" name="CustomShape 2"/>
           <p:cNvSpPr/>
           <p:nvPr/>
         </p:nvSpPr>
@@ -8132,7 +8168,7 @@
       </p:grpSpPr>
       <p:sp>
         <p:nvSpPr>
-          <p:cNvPr id="177" name="CustomShape 1"/>
+          <p:cNvPr id="178" name="CustomShape 1"/>
           <p:cNvSpPr/>
           <p:nvPr/>
         </p:nvSpPr>
@@ -8158,7 +8194,7 @@
       </p:sp>
       <p:pic>
         <p:nvPicPr>
-          <p:cNvPr id="178" name="Picture 2" descr=""/>
+          <p:cNvPr id="179" name="Picture 2" descr=""/>
           <p:cNvPicPr/>
           <p:nvPr/>
         </p:nvPicPr>
@@ -8181,7 +8217,7 @@
       </p:pic>
       <p:pic>
         <p:nvPicPr>
-          <p:cNvPr id="179" name="Picture 5" descr=""/>
+          <p:cNvPr id="180" name="Picture 5" descr=""/>
           <p:cNvPicPr/>
           <p:nvPr/>
         </p:nvPicPr>
@@ -8204,7 +8240,7 @@
       </p:pic>
       <p:sp>
         <p:nvSpPr>
-          <p:cNvPr id="180" name="CustomShape 2"/>
+          <p:cNvPr id="181" name="CustomShape 2"/>
           <p:cNvSpPr/>
           <p:nvPr/>
         </p:nvSpPr>
@@ -8302,7 +8338,7 @@
       </p:grpSpPr>
       <p:sp>
         <p:nvSpPr>
-          <p:cNvPr id="181" name="CustomShape 1"/>
+          <p:cNvPr id="182" name="CustomShape 1"/>
           <p:cNvSpPr/>
           <p:nvPr/>
         </p:nvSpPr>
@@ -8328,7 +8364,7 @@
       </p:sp>
       <p:sp>
         <p:nvSpPr>
-          <p:cNvPr id="182" name="CustomShape 2"/>
+          <p:cNvPr id="183" name="CustomShape 2"/>
           <p:cNvSpPr/>
           <p:nvPr/>
         </p:nvSpPr>
@@ -8507,7 +8543,7 @@
       </p:sp>
       <p:sp>
         <p:nvSpPr>
-          <p:cNvPr id="183" name="CustomShape 3"/>
+          <p:cNvPr id="184" name="CustomShape 3"/>
           <p:cNvSpPr/>
           <p:nvPr/>
         </p:nvSpPr>
@@ -8605,7 +8641,7 @@
       </p:grpSpPr>
       <p:sp>
         <p:nvSpPr>
-          <p:cNvPr id="184" name="CustomShape 1"/>
+          <p:cNvPr id="185" name="CustomShape 1"/>
           <p:cNvSpPr/>
           <p:nvPr/>
         </p:nvSpPr>
@@ -8631,7 +8667,7 @@
       </p:sp>
       <p:sp>
         <p:nvSpPr>
-          <p:cNvPr id="185" name="CustomShape 2"/>
+          <p:cNvPr id="186" name="CustomShape 2"/>
           <p:cNvSpPr/>
           <p:nvPr/>
         </p:nvSpPr>
@@ -8729,7 +8765,7 @@
       </p:sp>
       <p:sp>
         <p:nvSpPr>
-          <p:cNvPr id="186" name="CustomShape 3"/>
+          <p:cNvPr id="187" name="CustomShape 3"/>
           <p:cNvSpPr/>
           <p:nvPr/>
         </p:nvSpPr>
@@ -8827,7 +8863,7 @@
       </p:grpSpPr>
       <p:pic>
         <p:nvPicPr>
-          <p:cNvPr id="187" name="" descr=""/>
+          <p:cNvPr id="188" name="" descr=""/>
           <p:cNvPicPr/>
           <p:nvPr/>
         </p:nvPicPr>
@@ -8899,7 +8935,7 @@
       </p:grpSpPr>
       <p:sp>
         <p:nvSpPr>
-          <p:cNvPr id="188" name="CustomShape 1"/>
+          <p:cNvPr id="189" name="CustomShape 1"/>
           <p:cNvSpPr/>
           <p:nvPr/>
         </p:nvSpPr>
@@ -8925,7 +8961,7 @@
       </p:sp>
       <p:sp>
         <p:nvSpPr>
-          <p:cNvPr id="189" name="CustomShape 2"/>
+          <p:cNvPr id="190" name="CustomShape 2"/>
           <p:cNvSpPr/>
           <p:nvPr/>
         </p:nvSpPr>
@@ -8951,7 +8987,7 @@
       </p:sp>
       <p:sp>
         <p:nvSpPr>
-          <p:cNvPr id="190" name="CustomShape 3"/>
+          <p:cNvPr id="191" name="CustomShape 3"/>
           <p:cNvSpPr/>
           <p:nvPr/>
         </p:nvSpPr>
@@ -9000,7 +9036,7 @@
       </p:sp>
       <p:sp>
         <p:nvSpPr>
-          <p:cNvPr id="191" name="CustomShape 4"/>
+          <p:cNvPr id="192" name="CustomShape 4"/>
           <p:cNvSpPr/>
           <p:nvPr/>
         </p:nvSpPr>
@@ -9280,7 +9316,7 @@
       </p:grpSpPr>
       <p:sp>
         <p:nvSpPr>
-          <p:cNvPr id="192" name="CustomShape 1"/>
+          <p:cNvPr id="193" name="CustomShape 1"/>
           <p:cNvSpPr/>
           <p:nvPr/>
         </p:nvSpPr>
@@ -9306,7 +9342,7 @@
       </p:sp>
       <p:sp>
         <p:nvSpPr>
-          <p:cNvPr id="193" name="CustomShape 2"/>
+          <p:cNvPr id="194" name="CustomShape 2"/>
           <p:cNvSpPr/>
           <p:nvPr/>
         </p:nvSpPr>

--- a/Documentation/Presentation/Final_Presentation.pptx
+++ b/Documentation/Presentation/Final_Presentation.pptx
@@ -36,7 +36,6 @@
     <p:sldId id="280" r:id="rId29"/>
     <p:sldId id="281" r:id="rId30"/>
     <p:sldId id="282" r:id="rId31"/>
-    <p:sldId id="283" r:id="rId32"/>
   </p:sldIdLst>
   <p:sldSz cx="12193587" cy="6858000"/>
   <p:notesSz cx="6858000" cy="9144000"/>
@@ -120,7 +119,7 @@
               <a:rPr b="0" lang="de-DE" sz="1400" spc="-1" strike="noStrike">
                 <a:latin typeface="Times New Roman"/>
               </a:rPr>
-              <a:t> </a:t>
+              <a:t>&lt;header&gt;</a:t>
             </a:r>
             <a:endParaRPr b="0" lang="de-DE" sz="1400" spc="-1" strike="noStrike">
               <a:latin typeface="Times New Roman"/>
@@ -155,7 +154,7 @@
               <a:rPr b="0" lang="de-DE" sz="1400" spc="-1" strike="noStrike">
                 <a:latin typeface="Times New Roman"/>
               </a:rPr>
-              <a:t> </a:t>
+              <a:t>&lt;date/time&gt;</a:t>
             </a:r>
             <a:endParaRPr b="0" lang="de-DE" sz="1400" spc="-1" strike="noStrike">
               <a:latin typeface="Times New Roman"/>
@@ -189,7 +188,7 @@
               <a:rPr b="0" lang="de-DE" sz="1400" spc="-1" strike="noStrike">
                 <a:latin typeface="Times New Roman"/>
               </a:rPr>
-              <a:t> </a:t>
+              <a:t>&lt;footer&gt;</a:t>
             </a:r>
             <a:endParaRPr b="0" lang="de-DE" sz="1400" spc="-1" strike="noStrike">
               <a:latin typeface="Times New Roman"/>
@@ -220,11 +219,11 @@
           <a:bodyPr lIns="0" rIns="0" tIns="0" bIns="0" anchor="b"/>
           <a:p>
             <a:pPr algn="r"/>
-            <a:fld id="{DD59E68B-3F6E-4926-B2BF-279E9E4CCD76}" type="slidenum">
+            <a:fld id="{88116A68-1E07-4023-A958-7A0CAFD5DB2C}" type="slidenum">
               <a:rPr b="0" lang="de-DE" sz="1400" spc="-1" strike="noStrike">
                 <a:latin typeface="Times New Roman"/>
               </a:rPr>
-              <a:t>1</a:t>
+              <a:t>&lt;number&gt;</a:t>
             </a:fld>
             <a:endParaRPr b="0" lang="de-DE" sz="1400" spc="-1" strike="noStrike">
               <a:latin typeface="Times New Roman"/>
@@ -257,7 +256,7 @@
       </p:grpSpPr>
       <p:sp>
         <p:nvSpPr>
-          <p:cNvPr id="199" name="PlaceHolder 1"/>
+          <p:cNvPr id="196" name="PlaceHolder 1"/>
           <p:cNvSpPr>
             <a:spLocks noGrp="1"/>
           </p:cNvSpPr>
@@ -268,7 +267,7 @@
         <p:spPr>
           <a:xfrm>
             <a:off x="685800" y="4400640"/>
-            <a:ext cx="5483880" cy="3597840"/>
+            <a:ext cx="5483520" cy="3597480"/>
           </a:xfrm>
           <a:prstGeom prst="rect">
             <a:avLst/>
@@ -277,7 +276,7 @@
         <p:txBody>
           <a:bodyPr lIns="0" rIns="0" tIns="0" bIns="0"/>
           <a:p>
-            <a:pPr marL="216000" indent="-213840">
+            <a:pPr marL="216000" indent="-213480">
               <a:lnSpc>
                 <a:spcPct val="100000"/>
               </a:lnSpc>
@@ -296,14 +295,14 @@
       </p:sp>
       <p:sp>
         <p:nvSpPr>
-          <p:cNvPr id="200" name="CustomShape 2"/>
+          <p:cNvPr id="197" name="CustomShape 2"/>
           <p:cNvSpPr/>
           <p:nvPr/>
         </p:nvSpPr>
         <p:spPr>
           <a:xfrm>
             <a:off x="3884760" y="8685360"/>
-            <a:ext cx="2969280" cy="456120"/>
+            <a:ext cx="2968920" cy="455760"/>
           </a:xfrm>
           <a:prstGeom prst="rect">
             <a:avLst/>
@@ -327,7 +326,7 @@
                 <a:spcPct val="100000"/>
               </a:lnSpc>
             </a:pPr>
-            <a:fld id="{209DDD90-052F-4FFA-8E09-242D0002C61D}" type="slidenum">
+            <a:fld id="{C0060F70-44A4-4E14-AB1C-CA2BF2BF1FB9}" type="slidenum">
               <a:rPr b="0" lang="de-DE" sz="1200" spc="-1" strike="noStrike">
                 <a:solidFill>
                   <a:srgbClr val="000000"/>
@@ -367,7 +366,7 @@
       </p:grpSpPr>
       <p:sp>
         <p:nvSpPr>
-          <p:cNvPr id="195" name="PlaceHolder 1"/>
+          <p:cNvPr id="192" name="PlaceHolder 1"/>
           <p:cNvSpPr>
             <a:spLocks noGrp="1"/>
           </p:cNvSpPr>
@@ -378,7 +377,7 @@
         <p:spPr>
           <a:xfrm>
             <a:off x="685800" y="4400640"/>
-            <a:ext cx="5483880" cy="3597840"/>
+            <a:ext cx="5483520" cy="3597480"/>
           </a:xfrm>
           <a:prstGeom prst="rect">
             <a:avLst/>
@@ -387,7 +386,7 @@
         <p:txBody>
           <a:bodyPr lIns="0" rIns="0" tIns="0" bIns="0"/>
           <a:p>
-            <a:pPr marL="216000" indent="-213840">
+            <a:pPr marL="216000" indent="-213480">
               <a:lnSpc>
                 <a:spcPct val="100000"/>
               </a:lnSpc>
@@ -397,7 +396,7 @@
             </a:endParaRPr>
           </a:p>
           <a:p>
-            <a:pPr marL="216000" indent="-213840">
+            <a:pPr marL="216000" indent="-213480">
               <a:lnSpc>
                 <a:spcPct val="100000"/>
               </a:lnSpc>
@@ -407,7 +406,7 @@
             </a:endParaRPr>
           </a:p>
           <a:p>
-            <a:pPr marL="216000" indent="-213840">
+            <a:pPr marL="216000" indent="-213480">
               <a:lnSpc>
                 <a:spcPct val="100000"/>
               </a:lnSpc>
@@ -423,7 +422,7 @@
             </a:endParaRPr>
           </a:p>
           <a:p>
-            <a:pPr marL="216000" indent="-213840">
+            <a:pPr marL="216000" indent="-213480">
               <a:lnSpc>
                 <a:spcPct val="100000"/>
               </a:lnSpc>
@@ -442,14 +441,14 @@
       </p:sp>
       <p:sp>
         <p:nvSpPr>
-          <p:cNvPr id="196" name="CustomShape 2"/>
+          <p:cNvPr id="193" name="CustomShape 2"/>
           <p:cNvSpPr/>
           <p:nvPr/>
         </p:nvSpPr>
         <p:spPr>
           <a:xfrm>
             <a:off x="3884760" y="8685360"/>
-            <a:ext cx="2969280" cy="456120"/>
+            <a:ext cx="2968920" cy="455760"/>
           </a:xfrm>
           <a:prstGeom prst="rect">
             <a:avLst/>
@@ -473,7 +472,7 @@
                 <a:spcPct val="100000"/>
               </a:lnSpc>
             </a:pPr>
-            <a:fld id="{7F41C4B7-A991-4EEF-8A37-AE6622DA8F3D}" type="slidenum">
+            <a:fld id="{79FF59D4-4975-416A-AE22-A02C322142F3}" type="slidenum">
               <a:rPr b="0" lang="de-DE" sz="1200" spc="-1" strike="noStrike">
                 <a:solidFill>
                   <a:srgbClr val="000000"/>
@@ -481,7 +480,7 @@
                 <a:latin typeface="+mn-lt"/>
                 <a:ea typeface="+mn-ea"/>
               </a:rPr>
-              <a:t>1</a:t>
+              <a:t>&lt;number&gt;</a:t>
             </a:fld>
             <a:endParaRPr b="0" lang="de-DE" sz="1200" spc="-1" strike="noStrike">
               <a:latin typeface="Arial"/>
@@ -513,7 +512,7 @@
       </p:grpSpPr>
       <p:sp>
         <p:nvSpPr>
-          <p:cNvPr id="197" name="PlaceHolder 1"/>
+          <p:cNvPr id="194" name="PlaceHolder 1"/>
           <p:cNvSpPr>
             <a:spLocks noGrp="1"/>
           </p:cNvSpPr>
@@ -524,7 +523,7 @@
         <p:spPr>
           <a:xfrm>
             <a:off x="685800" y="4400640"/>
-            <a:ext cx="5483880" cy="3597840"/>
+            <a:ext cx="5483520" cy="3597480"/>
           </a:xfrm>
           <a:prstGeom prst="rect">
             <a:avLst/>
@@ -533,7 +532,7 @@
         <p:txBody>
           <a:bodyPr lIns="0" rIns="0" tIns="0" bIns="0"/>
           <a:p>
-            <a:pPr marL="216000" indent="-213840">
+            <a:pPr marL="216000" indent="-213480">
               <a:lnSpc>
                 <a:spcPct val="100000"/>
               </a:lnSpc>
@@ -549,7 +548,7 @@
             </a:endParaRPr>
           </a:p>
           <a:p>
-            <a:pPr marL="216000" indent="-213840">
+            <a:pPr marL="216000" indent="-213480">
               <a:lnSpc>
                 <a:spcPct val="100000"/>
               </a:lnSpc>
@@ -565,7 +564,7 @@
             </a:endParaRPr>
           </a:p>
           <a:p>
-            <a:pPr marL="216000" indent="-213840">
+            <a:pPr marL="216000" indent="-213480">
               <a:lnSpc>
                 <a:spcPct val="100000"/>
               </a:lnSpc>
@@ -581,7 +580,7 @@
             </a:endParaRPr>
           </a:p>
           <a:p>
-            <a:pPr marL="216000" indent="-213840">
+            <a:pPr marL="216000" indent="-213480">
               <a:lnSpc>
                 <a:spcPct val="100000"/>
               </a:lnSpc>
@@ -591,7 +590,7 @@
             </a:endParaRPr>
           </a:p>
           <a:p>
-            <a:pPr marL="216000" indent="-213840">
+            <a:pPr marL="216000" indent="-213480">
               <a:lnSpc>
                 <a:spcPct val="100000"/>
               </a:lnSpc>
@@ -601,7 +600,7 @@
             </a:endParaRPr>
           </a:p>
           <a:p>
-            <a:pPr marL="216000" indent="-213840">
+            <a:pPr marL="216000" indent="-213480">
               <a:lnSpc>
                 <a:spcPct val="100000"/>
               </a:lnSpc>
@@ -617,7 +616,7 @@
             </a:endParaRPr>
           </a:p>
           <a:p>
-            <a:pPr marL="216000" indent="-213840">
+            <a:pPr marL="216000" indent="-213480">
               <a:lnSpc>
                 <a:spcPct val="100000"/>
               </a:lnSpc>
@@ -636,14 +635,14 @@
       </p:sp>
       <p:sp>
         <p:nvSpPr>
-          <p:cNvPr id="198" name="CustomShape 2"/>
+          <p:cNvPr id="195" name="CustomShape 2"/>
           <p:cNvSpPr/>
           <p:nvPr/>
         </p:nvSpPr>
         <p:spPr>
           <a:xfrm>
             <a:off x="3884760" y="8685360"/>
-            <a:ext cx="2969280" cy="456120"/>
+            <a:ext cx="2968920" cy="455760"/>
           </a:xfrm>
           <a:prstGeom prst="rect">
             <a:avLst/>
@@ -667,7 +666,7 @@
                 <a:spcPct val="100000"/>
               </a:lnSpc>
             </a:pPr>
-            <a:fld id="{F3E09BC4-0362-4986-AFFD-3EDC2AC46483}" type="slidenum">
+            <a:fld id="{6909F048-46D9-404C-A5F4-A1C9395D7CF1}" type="slidenum">
               <a:rPr b="0" lang="de-DE" sz="1200" spc="-1" strike="noStrike">
                 <a:solidFill>
                   <a:srgbClr val="000000"/>
@@ -675,7 +674,7 @@
                 <a:latin typeface="+mn-lt"/>
                 <a:ea typeface="+mn-ea"/>
               </a:rPr>
-              <a:t>1</a:t>
+              <a:t>&lt;number&gt;</a:t>
             </a:fld>
             <a:endParaRPr b="0" lang="de-DE" sz="1200" spc="-1" strike="noStrike">
               <a:latin typeface="Arial"/>
@@ -3382,7 +3381,7 @@
         <p:spPr>
           <a:xfrm>
             <a:off x="720" y="360"/>
-            <a:ext cx="12192840" cy="6857280"/>
+            <a:ext cx="12192480" cy="6856920"/>
           </a:xfrm>
           <a:prstGeom prst="rect">
             <a:avLst/>
@@ -3656,7 +3655,7 @@
         <p:spPr>
           <a:xfrm>
             <a:off x="720" y="360"/>
-            <a:ext cx="12192840" cy="6857280"/>
+            <a:ext cx="12192480" cy="6856920"/>
           </a:xfrm>
           <a:prstGeom prst="rect">
             <a:avLst/>
@@ -3678,8 +3677,8 @@
         </p:nvSpPr>
         <p:spPr>
           <a:xfrm>
-            <a:off x="609480" y="522360"/>
-            <a:ext cx="8709480" cy="653040"/>
+            <a:off x="609480" y="273600"/>
+            <a:ext cx="10973520" cy="1144800"/>
           </a:xfrm>
           <a:prstGeom prst="rect">
             <a:avLst/>
@@ -3688,13 +3687,14 @@
         <p:txBody>
           <a:bodyPr lIns="0" rIns="0" tIns="0" bIns="0" anchor="ctr"/>
           <a:p>
-            <a:r>
-              <a:rPr b="0" lang="de-DE" sz="1800" spc="-1" strike="noStrike">
+            <a:pPr algn="ctr"/>
+            <a:r>
+              <a:rPr b="0" lang="de-DE" sz="4400" spc="-1" strike="noStrike">
                 <a:latin typeface="Arial"/>
               </a:rPr>
               <a:t>Click to edit the title text format</a:t>
             </a:r>
-            <a:endParaRPr b="0" lang="de-DE" sz="1800" spc="-1" strike="noStrike">
+            <a:endParaRPr b="0" lang="de-DE" sz="4400" spc="-1" strike="noStrike">
               <a:latin typeface="Arial"/>
             </a:endParaRPr>
           </a:p>
@@ -3712,8 +3712,8 @@
         </p:nvSpPr>
         <p:spPr>
           <a:xfrm>
-            <a:off x="609480" y="1632600"/>
-            <a:ext cx="10973880" cy="3976920"/>
+            <a:off x="609480" y="1604520"/>
+            <a:ext cx="10973520" cy="3977280"/>
           </a:xfrm>
           <a:prstGeom prst="rect">
             <a:avLst/>
@@ -3736,12 +3736,12 @@
               <a:buChar char=""/>
             </a:pPr>
             <a:r>
-              <a:rPr b="0" lang="de-DE" sz="1800" spc="-1" strike="noStrike">
+              <a:rPr b="0" lang="de-DE" sz="3200" spc="-1" strike="noStrike">
                 <a:latin typeface="Arial"/>
               </a:rPr>
               <a:t>Click to edit the outline text format</a:t>
             </a:r>
-            <a:endParaRPr b="0" lang="de-DE" sz="1800" spc="-1" strike="noStrike">
+            <a:endParaRPr b="0" lang="de-DE" sz="3200" spc="-1" strike="noStrike">
               <a:latin typeface="Arial"/>
             </a:endParaRPr>
           </a:p>
@@ -3758,12 +3758,12 @@
               <a:buChar char=""/>
             </a:pPr>
             <a:r>
-              <a:rPr b="0" lang="de-DE" sz="1800" spc="-1" strike="noStrike">
+              <a:rPr b="0" lang="de-DE" sz="2800" spc="-1" strike="noStrike">
                 <a:latin typeface="Arial"/>
               </a:rPr>
               <a:t>Second Outline Level</a:t>
             </a:r>
-            <a:endParaRPr b="0" lang="de-DE" sz="1800" spc="-1" strike="noStrike">
+            <a:endParaRPr b="0" lang="de-DE" sz="2800" spc="-1" strike="noStrike">
               <a:latin typeface="Arial"/>
             </a:endParaRPr>
           </a:p>
@@ -3780,12 +3780,12 @@
               <a:buChar char=""/>
             </a:pPr>
             <a:r>
-              <a:rPr b="0" lang="de-DE" sz="1800" spc="-1" strike="noStrike">
+              <a:rPr b="0" lang="de-DE" sz="2400" spc="-1" strike="noStrike">
                 <a:latin typeface="Arial"/>
               </a:rPr>
               <a:t>Third Outline Level</a:t>
             </a:r>
-            <a:endParaRPr b="0" lang="de-DE" sz="1800" spc="-1" strike="noStrike">
+            <a:endParaRPr b="0" lang="de-DE" sz="2400" spc="-1" strike="noStrike">
               <a:latin typeface="Arial"/>
             </a:endParaRPr>
           </a:p>
@@ -3802,12 +3802,12 @@
               <a:buChar char=""/>
             </a:pPr>
             <a:r>
-              <a:rPr b="0" lang="de-DE" sz="1800" spc="-1" strike="noStrike">
+              <a:rPr b="0" lang="de-DE" sz="2000" spc="-1" strike="noStrike">
                 <a:latin typeface="Arial"/>
               </a:rPr>
               <a:t>Fourth Outline Level</a:t>
             </a:r>
-            <a:endParaRPr b="0" lang="de-DE" sz="1800" spc="-1" strike="noStrike">
+            <a:endParaRPr b="0" lang="de-DE" sz="2000" spc="-1" strike="noStrike">
               <a:latin typeface="Arial"/>
             </a:endParaRPr>
           </a:p>
@@ -3824,12 +3824,12 @@
               <a:buChar char=""/>
             </a:pPr>
             <a:r>
-              <a:rPr b="0" lang="de-DE" sz="1800" spc="-1" strike="noStrike">
+              <a:rPr b="0" lang="de-DE" sz="2000" spc="-1" strike="noStrike">
                 <a:latin typeface="Arial"/>
               </a:rPr>
               <a:t>Fifth Outline Level</a:t>
             </a:r>
-            <a:endParaRPr b="0" lang="de-DE" sz="1800" spc="-1" strike="noStrike">
+            <a:endParaRPr b="0" lang="de-DE" sz="2000" spc="-1" strike="noStrike">
               <a:latin typeface="Arial"/>
             </a:endParaRPr>
           </a:p>
@@ -3846,12 +3846,12 @@
               <a:buChar char=""/>
             </a:pPr>
             <a:r>
-              <a:rPr b="0" lang="de-DE" sz="1800" spc="-1" strike="noStrike">
+              <a:rPr b="0" lang="de-DE" sz="2000" spc="-1" strike="noStrike">
                 <a:latin typeface="Arial"/>
               </a:rPr>
               <a:t>Sixth Outline Level</a:t>
             </a:r>
-            <a:endParaRPr b="0" lang="de-DE" sz="1800" spc="-1" strike="noStrike">
+            <a:endParaRPr b="0" lang="de-DE" sz="2000" spc="-1" strike="noStrike">
               <a:latin typeface="Arial"/>
             </a:endParaRPr>
           </a:p>
@@ -3868,12 +3868,12 @@
               <a:buChar char=""/>
             </a:pPr>
             <a:r>
-              <a:rPr b="0" lang="de-DE" sz="1800" spc="-1" strike="noStrike">
+              <a:rPr b="0" lang="de-DE" sz="2000" spc="-1" strike="noStrike">
                 <a:latin typeface="Arial"/>
               </a:rPr>
               <a:t>Seventh Outline Level</a:t>
             </a:r>
-            <a:endParaRPr b="0" lang="de-DE" sz="1800" spc="-1" strike="noStrike">
+            <a:endParaRPr b="0" lang="de-DE" sz="2000" spc="-1" strike="noStrike">
               <a:latin typeface="Arial"/>
             </a:endParaRPr>
           </a:p>
@@ -3925,7 +3925,7 @@
         <p:spPr>
           <a:xfrm>
             <a:off x="1152000" y="492480"/>
-            <a:ext cx="8823960" cy="731160"/>
+            <a:ext cx="8823600" cy="730800"/>
           </a:xfrm>
           <a:prstGeom prst="rect">
             <a:avLst/>
@@ -3951,7 +3951,7 @@
         <p:spPr>
           <a:xfrm>
             <a:off x="1154520" y="4777560"/>
-            <a:ext cx="8823960" cy="858960"/>
+            <a:ext cx="8823600" cy="858600"/>
           </a:xfrm>
           <a:prstGeom prst="rect">
             <a:avLst/>
@@ -4026,7 +4026,7 @@
         <p:spPr>
           <a:xfrm>
             <a:off x="1176120" y="519120"/>
-            <a:ext cx="8759520" cy="704520"/>
+            <a:ext cx="8759160" cy="704160"/>
           </a:xfrm>
           <a:prstGeom prst="rect">
             <a:avLst/>
@@ -4124,7 +4124,7 @@
         <p:spPr>
           <a:xfrm>
             <a:off x="1154520" y="973800"/>
-            <a:ext cx="8759520" cy="704520"/>
+            <a:ext cx="8759160" cy="704160"/>
           </a:xfrm>
           <a:prstGeom prst="rect">
             <a:avLst/>
@@ -4154,7 +4154,7 @@
         <p:spPr>
           <a:xfrm>
             <a:off x="3199680" y="216000"/>
-            <a:ext cx="8656200" cy="6355800"/>
+            <a:ext cx="8655840" cy="6355440"/>
           </a:xfrm>
           <a:prstGeom prst="rect">
             <a:avLst/>
@@ -4173,7 +4173,7 @@
         <p:spPr>
           <a:xfrm>
             <a:off x="1176120" y="519120"/>
-            <a:ext cx="8759520" cy="704520"/>
+            <a:ext cx="8759160" cy="704160"/>
           </a:xfrm>
           <a:prstGeom prst="rect">
             <a:avLst/>
@@ -4271,7 +4271,7 @@
         <p:spPr>
           <a:xfrm>
             <a:off x="706680" y="596880"/>
-            <a:ext cx="4172040" cy="638640"/>
+            <a:ext cx="4171680" cy="638280"/>
           </a:xfrm>
           <a:prstGeom prst="rect">
             <a:avLst/>
@@ -4324,7 +4324,7 @@
         <p:spPr>
           <a:xfrm>
             <a:off x="1440000" y="1363320"/>
-            <a:ext cx="8076960" cy="5188320"/>
+            <a:ext cx="8076600" cy="5187960"/>
           </a:xfrm>
           <a:prstGeom prst="rect">
             <a:avLst/>
@@ -4392,7 +4392,7 @@
         <p:spPr>
           <a:xfrm>
             <a:off x="721080" y="693000"/>
-            <a:ext cx="2407320" cy="638640"/>
+            <a:ext cx="2406960" cy="638280"/>
           </a:xfrm>
           <a:prstGeom prst="rect">
             <a:avLst/>
@@ -4445,7 +4445,7 @@
         <p:spPr>
           <a:xfrm>
             <a:off x="-43920" y="232200"/>
-            <a:ext cx="12237120" cy="6031440"/>
+            <a:ext cx="12236760" cy="6031080"/>
           </a:xfrm>
           <a:prstGeom prst="rect">
             <a:avLst/>
@@ -4513,7 +4513,7 @@
         <p:spPr>
           <a:xfrm>
             <a:off x="1154520" y="2677680"/>
-            <a:ext cx="4348800" cy="2281320"/>
+            <a:ext cx="4348440" cy="2280960"/>
           </a:xfrm>
           <a:prstGeom prst="rect">
             <a:avLst/>
@@ -4539,7 +4539,7 @@
         <p:spPr>
           <a:xfrm>
             <a:off x="1208520" y="2592000"/>
-            <a:ext cx="4407120" cy="2281320"/>
+            <a:ext cx="4406760" cy="2280960"/>
           </a:xfrm>
           <a:prstGeom prst="rect">
             <a:avLst/>
@@ -4729,7 +4729,7 @@
         <p:spPr>
           <a:xfrm>
             <a:off x="1176120" y="519120"/>
-            <a:ext cx="8759520" cy="704520"/>
+            <a:ext cx="8759160" cy="704160"/>
           </a:xfrm>
           <a:prstGeom prst="rect">
             <a:avLst/>
@@ -4827,7 +4827,7 @@
         <p:spPr>
           <a:xfrm>
             <a:off x="1154520" y="973800"/>
-            <a:ext cx="8759520" cy="704520"/>
+            <a:ext cx="8759160" cy="704160"/>
           </a:xfrm>
           <a:prstGeom prst="rect">
             <a:avLst/>
@@ -4853,7 +4853,7 @@
         <p:spPr>
           <a:xfrm>
             <a:off x="1154520" y="2603520"/>
-            <a:ext cx="8823960" cy="3413880"/>
+            <a:ext cx="8823600" cy="3413520"/>
           </a:xfrm>
           <a:prstGeom prst="rect">
             <a:avLst/>
@@ -4908,7 +4908,7 @@
         <p:spPr>
           <a:xfrm>
             <a:off x="6408000" y="2603520"/>
-            <a:ext cx="4822920" cy="573840"/>
+            <a:ext cx="4822560" cy="573480"/>
           </a:xfrm>
           <a:prstGeom prst="rect">
             <a:avLst/>
@@ -4961,7 +4961,7 @@
         <p:spPr>
           <a:xfrm>
             <a:off x="1154520" y="2592720"/>
-            <a:ext cx="4822920" cy="573840"/>
+            <a:ext cx="4822560" cy="573480"/>
           </a:xfrm>
           <a:prstGeom prst="rect">
             <a:avLst/>
@@ -5014,7 +5014,7 @@
         <p:spPr>
           <a:xfrm>
             <a:off x="1154520" y="4320000"/>
-            <a:ext cx="4822920" cy="573840"/>
+            <a:ext cx="4822560" cy="573480"/>
           </a:xfrm>
           <a:prstGeom prst="rect">
             <a:avLst/>
@@ -5071,7 +5071,7 @@
         <p:spPr>
           <a:xfrm>
             <a:off x="9072360" y="2438280"/>
-            <a:ext cx="2090160" cy="728280"/>
+            <a:ext cx="2089800" cy="727920"/>
           </a:xfrm>
           <a:prstGeom prst="rect">
             <a:avLst/>
@@ -5090,7 +5090,7 @@
         <p:spPr>
           <a:xfrm>
             <a:off x="1154520" y="2808000"/>
-            <a:ext cx="4822920" cy="2837520"/>
+            <a:ext cx="4822560" cy="2837160"/>
           </a:xfrm>
           <a:prstGeom prst="rect">
             <a:avLst/>
@@ -5122,7 +5122,7 @@
             </a:endParaRPr>
           </a:p>
           <a:p>
-            <a:pPr marL="343080" indent="-340560">
+            <a:pPr marL="343080" indent="-340200">
               <a:lnSpc>
                 <a:spcPct val="100000"/>
               </a:lnSpc>
@@ -5174,7 +5174,7 @@
         <p:spPr>
           <a:xfrm>
             <a:off x="6408000" y="2808000"/>
-            <a:ext cx="4822920" cy="2837520"/>
+            <a:ext cx="4822560" cy="2837160"/>
           </a:xfrm>
           <a:prstGeom prst="rect">
             <a:avLst/>
@@ -5206,7 +5206,7 @@
             </a:endParaRPr>
           </a:p>
           <a:p>
-            <a:pPr marL="343080" indent="-340560">
+            <a:pPr marL="343080" indent="-340200">
               <a:lnSpc>
                 <a:spcPct val="100000"/>
               </a:lnSpc>
@@ -5258,7 +5258,7 @@
         <p:spPr>
           <a:xfrm>
             <a:off x="1154520" y="4536000"/>
-            <a:ext cx="4822920" cy="2837520"/>
+            <a:ext cx="4822560" cy="2837160"/>
           </a:xfrm>
           <a:prstGeom prst="rect">
             <a:avLst/>
@@ -5290,7 +5290,7 @@
             </a:endParaRPr>
           </a:p>
           <a:p>
-            <a:pPr marL="343080" indent="-340560">
+            <a:pPr marL="343080" indent="-340200">
               <a:lnSpc>
                 <a:spcPct val="100000"/>
               </a:lnSpc>
@@ -5342,7 +5342,7 @@
         <p:spPr>
           <a:xfrm>
             <a:off x="1176120" y="519120"/>
-            <a:ext cx="8759520" cy="704520"/>
+            <a:ext cx="8759160" cy="704160"/>
           </a:xfrm>
           <a:prstGeom prst="rect">
             <a:avLst/>
@@ -5395,7 +5395,7 @@
         <p:spPr>
           <a:xfrm>
             <a:off x="3096000" y="2304000"/>
-            <a:ext cx="975960" cy="870480"/>
+            <a:ext cx="975600" cy="870120"/>
           </a:xfrm>
           <a:prstGeom prst="rect">
             <a:avLst/>
@@ -5463,7 +5463,7 @@
         <p:spPr>
           <a:xfrm>
             <a:off x="1154520" y="973800"/>
-            <a:ext cx="8759520" cy="704520"/>
+            <a:ext cx="8759160" cy="704160"/>
           </a:xfrm>
           <a:prstGeom prst="rect">
             <a:avLst/>
@@ -5489,7 +5489,7 @@
         <p:spPr>
           <a:xfrm>
             <a:off x="967680" y="2244600"/>
-            <a:ext cx="8823960" cy="3413880"/>
+            <a:ext cx="8823600" cy="3413520"/>
           </a:xfrm>
           <a:prstGeom prst="rect">
             <a:avLst/>
@@ -5548,7 +5548,7 @@
         <p:spPr>
           <a:xfrm>
             <a:off x="8975880" y="2707920"/>
-            <a:ext cx="1060200" cy="1467720"/>
+            <a:ext cx="1059840" cy="1467360"/>
           </a:xfrm>
           <a:prstGeom prst="rect">
             <a:avLst/>
@@ -5571,7 +5571,7 @@
         <p:spPr>
           <a:xfrm>
             <a:off x="6653160" y="5365440"/>
-            <a:ext cx="1870560" cy="754200"/>
+            <a:ext cx="1870200" cy="753840"/>
           </a:xfrm>
           <a:prstGeom prst="rect">
             <a:avLst/>
@@ -5594,7 +5594,7 @@
         <p:spPr>
           <a:xfrm>
             <a:off x="8622720" y="5401080"/>
-            <a:ext cx="2061720" cy="718560"/>
+            <a:ext cx="2061360" cy="718200"/>
           </a:xfrm>
           <a:prstGeom prst="rect">
             <a:avLst/>
@@ -5613,7 +5613,7 @@
         <p:spPr>
           <a:xfrm>
             <a:off x="9217080" y="4321080"/>
-            <a:ext cx="747000" cy="1222560"/>
+            <a:ext cx="746640" cy="1222200"/>
           </a:xfrm>
           <a:custGeom>
             <a:avLst/>
@@ -5670,7 +5670,7 @@
         <p:spPr>
           <a:xfrm>
             <a:off x="352080" y="2225880"/>
-            <a:ext cx="2484720" cy="429120"/>
+            <a:ext cx="2484360" cy="428760"/>
           </a:xfrm>
           <a:prstGeom prst="rect">
             <a:avLst/>
@@ -5734,7 +5734,7 @@
         <p:spPr>
           <a:xfrm>
             <a:off x="4330080" y="2219760"/>
-            <a:ext cx="2610720" cy="429120"/>
+            <a:ext cx="2610360" cy="428760"/>
           </a:xfrm>
           <a:prstGeom prst="rect">
             <a:avLst/>
@@ -5787,7 +5787,7 @@
         <p:spPr>
           <a:xfrm>
             <a:off x="7805160" y="2233080"/>
-            <a:ext cx="3743280" cy="429120"/>
+            <a:ext cx="3742920" cy="428760"/>
           </a:xfrm>
           <a:prstGeom prst="rect">
             <a:avLst/>
@@ -5896,7 +5896,7 @@
         <p:spPr>
           <a:xfrm>
             <a:off x="7022880" y="2663640"/>
-            <a:ext cx="1194120" cy="429120"/>
+            <a:ext cx="1193760" cy="428760"/>
           </a:xfrm>
           <a:prstGeom prst="rect">
             <a:avLst/>
@@ -5973,7 +5973,7 @@
         <p:spPr>
           <a:xfrm>
             <a:off x="352080" y="3817080"/>
-            <a:ext cx="6191280" cy="2158920"/>
+            <a:ext cx="6190920" cy="2158560"/>
           </a:xfrm>
           <a:custGeom>
             <a:avLst/>
@@ -6472,7 +6472,7 @@
         <p:spPr>
           <a:xfrm>
             <a:off x="9793080" y="4470840"/>
-            <a:ext cx="1467000" cy="856800"/>
+            <a:ext cx="1466640" cy="856440"/>
           </a:xfrm>
           <a:prstGeom prst="rect">
             <a:avLst/>
@@ -6524,7 +6524,7 @@
         <p:spPr>
           <a:xfrm>
             <a:off x="4464000" y="5979600"/>
-            <a:ext cx="1438920" cy="601200"/>
+            <a:ext cx="1438560" cy="600840"/>
           </a:xfrm>
           <a:prstGeom prst="rect">
             <a:avLst/>
@@ -6576,7 +6576,7 @@
         <p:spPr>
           <a:xfrm>
             <a:off x="1176120" y="519120"/>
-            <a:ext cx="8759520" cy="704520"/>
+            <a:ext cx="8759160" cy="704160"/>
           </a:xfrm>
           <a:prstGeom prst="rect">
             <a:avLst/>
@@ -6629,7 +6629,7 @@
         <p:spPr>
           <a:xfrm>
             <a:off x="10656000" y="5184000"/>
-            <a:ext cx="1049400" cy="936000"/>
+            <a:ext cx="1049040" cy="935640"/>
           </a:xfrm>
           <a:prstGeom prst="rect">
             <a:avLst/>
@@ -6652,7 +6652,7 @@
         <p:spPr>
           <a:xfrm>
             <a:off x="4447440" y="2662200"/>
-            <a:ext cx="2104560" cy="851040"/>
+            <a:ext cx="2104200" cy="850680"/>
           </a:xfrm>
           <a:prstGeom prst="rect">
             <a:avLst/>
@@ -6676,7 +6676,7 @@
         <p:spPr>
           <a:xfrm>
             <a:off x="4392000" y="3458520"/>
-            <a:ext cx="2303640" cy="658080"/>
+            <a:ext cx="2303280" cy="657720"/>
           </a:xfrm>
           <a:prstGeom prst="rect">
             <a:avLst/>
@@ -6699,7 +6699,7 @@
         <p:spPr>
           <a:xfrm>
             <a:off x="360000" y="2718360"/>
-            <a:ext cx="953640" cy="953640"/>
+            <a:ext cx="953280" cy="953280"/>
           </a:xfrm>
           <a:prstGeom prst="rect">
             <a:avLst/>
@@ -6722,7 +6722,7 @@
         <p:spPr>
           <a:xfrm>
             <a:off x="1313640" y="2592000"/>
-            <a:ext cx="1008000" cy="1008000"/>
+            <a:ext cx="1007640" cy="1007640"/>
           </a:xfrm>
           <a:prstGeom prst="rect">
             <a:avLst/>
@@ -6741,13 +6741,13 @@
         <p:spPr>
           <a:xfrm>
             <a:off x="9214920" y="4318560"/>
-            <a:ext cx="721080" cy="1225440"/>
+            <a:ext cx="720720" cy="1225080"/>
           </a:xfrm>
           <a:custGeom>
             <a:avLst/>
             <a:gdLst/>
             <a:ahLst/>
-            <a:rect l="0" t="0" r="r" b="b"/>
+            <a:rect l="l" t="t" r="r" b="b"/>
             <a:pathLst>
               <a:path w="2005" h="3406">
                 <a:moveTo>
@@ -6849,7 +6849,7 @@
         <p:spPr>
           <a:xfrm>
             <a:off x="1154520" y="973800"/>
-            <a:ext cx="8759520" cy="704520"/>
+            <a:ext cx="8759160" cy="704160"/>
           </a:xfrm>
           <a:prstGeom prst="rect">
             <a:avLst/>
@@ -6879,7 +6879,7 @@
         <p:spPr>
           <a:xfrm>
             <a:off x="2317680" y="1321920"/>
-            <a:ext cx="7185960" cy="5229720"/>
+            <a:ext cx="7185600" cy="5229360"/>
           </a:xfrm>
           <a:prstGeom prst="rect">
             <a:avLst/>
@@ -6898,7 +6898,7 @@
         <p:spPr>
           <a:xfrm>
             <a:off x="1176120" y="519120"/>
-            <a:ext cx="8759520" cy="704520"/>
+            <a:ext cx="8759160" cy="704160"/>
           </a:xfrm>
           <a:prstGeom prst="rect">
             <a:avLst/>
@@ -6996,7 +6996,7 @@
         <p:spPr>
           <a:xfrm>
             <a:off x="1154520" y="973800"/>
-            <a:ext cx="8759520" cy="704520"/>
+            <a:ext cx="8759160" cy="704160"/>
           </a:xfrm>
           <a:prstGeom prst="rect">
             <a:avLst/>
@@ -7026,7 +7026,7 @@
         <p:spPr>
           <a:xfrm>
             <a:off x="2192040" y="1802160"/>
-            <a:ext cx="7383600" cy="4245480"/>
+            <a:ext cx="7383240" cy="4245120"/>
           </a:xfrm>
           <a:prstGeom prst="rect">
             <a:avLst/>
@@ -7045,7 +7045,7 @@
         <p:spPr>
           <a:xfrm>
             <a:off x="1176120" y="519120"/>
-            <a:ext cx="8759520" cy="704520"/>
+            <a:ext cx="8759160" cy="704160"/>
           </a:xfrm>
           <a:prstGeom prst="rect">
             <a:avLst/>
@@ -7147,7 +7147,7 @@
         <p:spPr>
           <a:xfrm>
             <a:off x="3600000" y="2021040"/>
-            <a:ext cx="4212360" cy="3954600"/>
+            <a:ext cx="4212000" cy="3954240"/>
           </a:xfrm>
           <a:prstGeom prst="rect">
             <a:avLst/>
@@ -7166,7 +7166,7 @@
         <p:spPr>
           <a:xfrm>
             <a:off x="1176120" y="519120"/>
-            <a:ext cx="8759520" cy="704520"/>
+            <a:ext cx="8759160" cy="704160"/>
           </a:xfrm>
           <a:prstGeom prst="rect">
             <a:avLst/>
@@ -7268,7 +7268,7 @@
         <p:spPr>
           <a:xfrm>
             <a:off x="936000" y="1684080"/>
-            <a:ext cx="9963000" cy="4579560"/>
+            <a:ext cx="9962640" cy="4579200"/>
           </a:xfrm>
           <a:prstGeom prst="rect">
             <a:avLst/>
@@ -7287,7 +7287,7 @@
         <p:spPr>
           <a:xfrm>
             <a:off x="1176120" y="519120"/>
-            <a:ext cx="8759520" cy="704520"/>
+            <a:ext cx="8759160" cy="704160"/>
           </a:xfrm>
           <a:prstGeom prst="rect">
             <a:avLst/>
@@ -7385,7 +7385,7 @@
         <p:spPr>
           <a:xfrm>
             <a:off x="1176120" y="519120"/>
-            <a:ext cx="8759520" cy="704520"/>
+            <a:ext cx="8759160" cy="704160"/>
           </a:xfrm>
           <a:prstGeom prst="rect">
             <a:avLst/>
@@ -7434,7 +7434,7 @@
         <p:spPr>
           <a:xfrm>
             <a:off x="1154520" y="2603520"/>
-            <a:ext cx="8823960" cy="3413880"/>
+            <a:ext cx="8823600" cy="3413520"/>
           </a:xfrm>
           <a:prstGeom prst="rect">
             <a:avLst/>
@@ -7453,7 +7453,7 @@
         <p:txBody>
           <a:bodyPr lIns="90000" rIns="90000" tIns="45000" bIns="45000"/>
           <a:p>
-            <a:pPr marL="343080" indent="-340560">
+            <a:pPr marL="343080" indent="-340200">
               <a:lnSpc>
                 <a:spcPct val="100000"/>
               </a:lnSpc>
@@ -7482,7 +7482,7 @@
             </a:endParaRPr>
           </a:p>
           <a:p>
-            <a:pPr marL="343080" indent="-340560">
+            <a:pPr marL="343080" indent="-340200">
               <a:lnSpc>
                 <a:spcPct val="100000"/>
               </a:lnSpc>
@@ -7511,7 +7511,7 @@
             </a:endParaRPr>
           </a:p>
           <a:p>
-            <a:pPr marL="343080" indent="-340560">
+            <a:pPr marL="343080" indent="-340200">
               <a:lnSpc>
                 <a:spcPct val="100000"/>
               </a:lnSpc>
@@ -7612,7 +7612,7 @@
         <p:spPr>
           <a:xfrm>
             <a:off x="1154520" y="973800"/>
-            <a:ext cx="8759520" cy="704520"/>
+            <a:ext cx="8759160" cy="704160"/>
           </a:xfrm>
           <a:prstGeom prst="rect">
             <a:avLst/>
@@ -7638,7 +7638,7 @@
         <p:spPr>
           <a:xfrm>
             <a:off x="1154520" y="2603520"/>
-            <a:ext cx="8823960" cy="3413880"/>
+            <a:ext cx="8823600" cy="3413520"/>
           </a:xfrm>
           <a:prstGeom prst="rect">
             <a:avLst/>
@@ -7657,7 +7657,7 @@
         <p:txBody>
           <a:bodyPr lIns="90000" rIns="90000" tIns="45000" bIns="45000"/>
           <a:p>
-            <a:pPr marL="343080" indent="-340560">
+            <a:pPr marL="343080" indent="-340200">
               <a:lnSpc>
                 <a:spcPct val="100000"/>
               </a:lnSpc>
@@ -7686,7 +7686,7 @@
             </a:endParaRPr>
           </a:p>
           <a:p>
-            <a:pPr marL="343080" indent="-340560">
+            <a:pPr marL="343080" indent="-340200">
               <a:lnSpc>
                 <a:spcPct val="100000"/>
               </a:lnSpc>
@@ -7715,7 +7715,7 @@
             </a:endParaRPr>
           </a:p>
           <a:p>
-            <a:pPr marL="343080" indent="-340560">
+            <a:pPr marL="343080" indent="-340200">
               <a:lnSpc>
                 <a:spcPct val="100000"/>
               </a:lnSpc>
@@ -7744,7 +7744,7 @@
             </a:endParaRPr>
           </a:p>
           <a:p>
-            <a:pPr marL="343080" indent="-340560">
+            <a:pPr marL="343080" indent="-340200">
               <a:lnSpc>
                 <a:spcPct val="100000"/>
               </a:lnSpc>
@@ -7783,7 +7783,7 @@
         <p:spPr>
           <a:xfrm>
             <a:off x="1176120" y="519120"/>
-            <a:ext cx="8759520" cy="704520"/>
+            <a:ext cx="8759160" cy="704160"/>
           </a:xfrm>
           <a:prstGeom prst="rect">
             <a:avLst/>
@@ -7881,7 +7881,7 @@
         <p:spPr>
           <a:xfrm>
             <a:off x="1154520" y="973800"/>
-            <a:ext cx="8759520" cy="704520"/>
+            <a:ext cx="8759160" cy="704160"/>
           </a:xfrm>
           <a:prstGeom prst="rect">
             <a:avLst/>
@@ -7911,7 +7911,7 @@
         <p:spPr>
           <a:xfrm>
             <a:off x="2334240" y="1510200"/>
-            <a:ext cx="7057440" cy="4609440"/>
+            <a:ext cx="7057080" cy="4609080"/>
           </a:xfrm>
           <a:prstGeom prst="rect">
             <a:avLst/>
@@ -7930,7 +7930,7 @@
         <p:spPr>
           <a:xfrm>
             <a:off x="1176120" y="519120"/>
-            <a:ext cx="8759520" cy="704520"/>
+            <a:ext cx="8759160" cy="704160"/>
           </a:xfrm>
           <a:prstGeom prst="rect">
             <a:avLst/>
@@ -8028,7 +8028,7 @@
         <p:spPr>
           <a:xfrm>
             <a:off x="1154520" y="973800"/>
-            <a:ext cx="8759520" cy="704520"/>
+            <a:ext cx="8759160" cy="704160"/>
           </a:xfrm>
           <a:prstGeom prst="rect">
             <a:avLst/>
@@ -8058,7 +8058,7 @@
         <p:spPr>
           <a:xfrm>
             <a:off x="3384000" y="252000"/>
-            <a:ext cx="5289480" cy="6371640"/>
+            <a:ext cx="5289120" cy="6371280"/>
           </a:xfrm>
           <a:prstGeom prst="rect">
             <a:avLst/>
@@ -8077,7 +8077,7 @@
         <p:spPr>
           <a:xfrm>
             <a:off x="1176120" y="519120"/>
-            <a:ext cx="8759520" cy="704520"/>
+            <a:ext cx="8759160" cy="704160"/>
           </a:xfrm>
           <a:prstGeom prst="rect">
             <a:avLst/>
@@ -8175,7 +8175,7 @@
         <p:spPr>
           <a:xfrm>
             <a:off x="1154520" y="964800"/>
-            <a:ext cx="8759520" cy="704520"/>
+            <a:ext cx="8759160" cy="704160"/>
           </a:xfrm>
           <a:prstGeom prst="rect">
             <a:avLst/>
@@ -8205,7 +8205,7 @@
         <p:spPr>
           <a:xfrm>
             <a:off x="367560" y="1368000"/>
-            <a:ext cx="6472080" cy="5158080"/>
+            <a:ext cx="6471720" cy="5157720"/>
           </a:xfrm>
           <a:prstGeom prst="rect">
             <a:avLst/>
@@ -8228,7 +8228,7 @@
         <p:spPr>
           <a:xfrm>
             <a:off x="6840000" y="1512000"/>
-            <a:ext cx="4933800" cy="713880"/>
+            <a:ext cx="4933440" cy="713520"/>
           </a:xfrm>
           <a:prstGeom prst="rect">
             <a:avLst/>
@@ -8247,7 +8247,7 @@
         <p:spPr>
           <a:xfrm>
             <a:off x="1176120" y="519120"/>
-            <a:ext cx="8759520" cy="704520"/>
+            <a:ext cx="8759160" cy="704160"/>
           </a:xfrm>
           <a:prstGeom prst="rect">
             <a:avLst/>
@@ -8344,8 +8344,8 @@
         </p:nvSpPr>
         <p:spPr>
           <a:xfrm>
-            <a:off x="1154520" y="973800"/>
-            <a:ext cx="8759520" cy="704520"/>
+            <a:off x="1154520" y="2677680"/>
+            <a:ext cx="4348440" cy="2280960"/>
           </a:xfrm>
           <a:prstGeom prst="rect">
             <a:avLst/>
@@ -8370,8 +8370,8 @@
         </p:nvSpPr>
         <p:spPr>
           <a:xfrm>
-            <a:off x="1154520" y="2603520"/>
-            <a:ext cx="8823960" cy="3413880"/>
+            <a:off x="1284120" y="1656000"/>
+            <a:ext cx="3755160" cy="2280960"/>
           </a:xfrm>
           <a:prstGeom prst="rect">
             <a:avLst/>
@@ -8388,35 +8388,27 @@
           <a:fontRef idx="minor"/>
         </p:style>
         <p:txBody>
-          <a:bodyPr lIns="90000" rIns="90000" tIns="45000" bIns="45000">
-            <a:normAutofit/>
-          </a:bodyPr>
-          <a:p>
-            <a:pPr marL="343080" indent="-340560">
+          <a:bodyPr lIns="90000" rIns="90000" tIns="45000" bIns="45000" anchor="ctr"/>
+          <a:p>
+            <a:pPr>
               <a:lnSpc>
                 <a:spcPct val="100000"/>
               </a:lnSpc>
               <a:spcBef>
                 <a:spcPts val="1001"/>
               </a:spcBef>
-              <a:buClr>
-                <a:srgbClr val="b31166"/>
-              </a:buClr>
-              <a:buSzPct val="80000"/>
-              <a:buFont typeface="Wingdings 3" charset="2"/>
-              <a:buChar char=""/>
-            </a:pPr>
-            <a:r>
-              <a:rPr b="0" lang="de-DE" sz="1800" spc="-1" strike="noStrike">
+            </a:pPr>
+            <a:r>
+              <a:rPr b="0" lang="de-DE" sz="2000" spc="-1" strike="noStrike" cap="all">
                 <a:solidFill>
-                  <a:srgbClr val="404040"/>
+                  <a:srgbClr val="ef53a5"/>
                 </a:solidFill>
                 <a:latin typeface="Century Gothic"/>
                 <a:ea typeface="DejaVu Sans"/>
               </a:rPr>
-              <a:t>Tests, DIE, git, YouTrack SHOW Integration</a:t>
-            </a:r>
-            <a:endParaRPr b="0" lang="de-DE" sz="1800" spc="-1" strike="noStrike">
+              <a:t>Class diagram</a:t>
+            </a:r>
+            <a:endParaRPr b="0" lang="de-DE" sz="2000" spc="-1" strike="noStrike">
               <a:latin typeface="Arial"/>
             </a:endParaRPr>
           </a:p>
@@ -8429,113 +8421,40 @@
                 <a:spcPts val="1001"/>
               </a:spcBef>
             </a:pPr>
-            <a:endParaRPr b="0" lang="de-DE" sz="1800" spc="-1" strike="noStrike">
-              <a:latin typeface="Arial"/>
-            </a:endParaRPr>
-          </a:p>
-          <a:p>
-            <a:pPr marL="343080" indent="-340560">
+            <a:r>
+              <a:rPr b="0" lang="de-DE" sz="2000" spc="-1" strike="noStrike" cap="all">
+                <a:solidFill>
+                  <a:srgbClr val="ef53a5"/>
+                </a:solidFill>
+                <a:latin typeface="Century Gothic"/>
+                <a:ea typeface="DejaVu Sans"/>
+              </a:rPr>
+              <a:t>Technical Ability</a:t>
+            </a:r>
+            <a:endParaRPr b="0" lang="de-DE" sz="2000" spc="-1" strike="noStrike">
+              <a:latin typeface="Arial"/>
+            </a:endParaRPr>
+          </a:p>
+          <a:p>
+            <a:pPr>
               <a:lnSpc>
                 <a:spcPct val="100000"/>
               </a:lnSpc>
               <a:spcBef>
                 <a:spcPts val="1001"/>
               </a:spcBef>
-              <a:buClr>
-                <a:srgbClr val="b31166"/>
-              </a:buClr>
-              <a:buSzPct val="80000"/>
-              <a:buFont typeface="Wingdings 3" charset="2"/>
-              <a:buChar char=""/>
-            </a:pPr>
-            <a:r>
-              <a:rPr b="0" lang="de-DE" sz="1800" spc="-1" strike="noStrike">
+            </a:pPr>
+            <a:r>
+              <a:rPr b="0" lang="de-DE" sz="2000" spc="-1" strike="noStrike" cap="all">
                 <a:solidFill>
-                  <a:srgbClr val="404040"/>
+                  <a:srgbClr val="ef53a5"/>
                 </a:solidFill>
                 <a:latin typeface="Century Gothic"/>
                 <a:ea typeface="DejaVu Sans"/>
               </a:rPr>
-              <a:t>Automated testing is important, why is it important. Are you mentioning that in your talk, </a:t>
-            </a:r>
-            <a:br/>
-            <a:r>
-              <a:rPr b="0" lang="de-DE" sz="1800" spc="-1" strike="noStrike">
-                <a:solidFill>
-                  <a:srgbClr val="404040"/>
-                </a:solidFill>
-                <a:latin typeface="Century Gothic"/>
-                <a:ea typeface="DejaVu Sans"/>
-              </a:rPr>
-              <a:t>are you explaining how it is integrated into your project. what does this mean for the client? </a:t>
-            </a:r>
-            <a:br/>
-            <a:r>
-              <a:rPr b="1" lang="de-DE" sz="1800" spc="-1" strike="noStrike">
-                <a:solidFill>
-                  <a:srgbClr val="404040"/>
-                </a:solidFill>
-                <a:latin typeface="Century Gothic"/>
-                <a:ea typeface="DejaVu Sans"/>
-              </a:rPr>
-              <a:t>Present proof that yours are executed. </a:t>
-            </a:r>
-            <a:br/>
-            <a:r>
-              <a:rPr b="0" lang="de-DE" sz="1800" spc="-1" strike="noStrike">
-                <a:solidFill>
-                  <a:srgbClr val="404040"/>
-                </a:solidFill>
-                <a:latin typeface="Century Gothic"/>
-                <a:ea typeface="DejaVu Sans"/>
-              </a:rPr>
-              <a:t>So - not only are you implementing it technically, but you are also arguing in your presentation </a:t>
-            </a:r>
-            <a:br/>
-            <a:r>
-              <a:rPr b="0" lang="de-DE" sz="1800" spc="-1" strike="noStrike">
-                <a:solidFill>
-                  <a:srgbClr val="404040"/>
-                </a:solidFill>
-                <a:latin typeface="Century Gothic"/>
-                <a:ea typeface="DejaVu Sans"/>
-              </a:rPr>
-              <a:t>how it is integrated into your project management and software engineering process and </a:t>
-            </a:r>
-            <a:br/>
-            <a:r>
-              <a:rPr b="0" lang="de-DE" sz="1800" spc="-1" strike="noStrike">
-                <a:solidFill>
-                  <a:srgbClr val="404040"/>
-                </a:solidFill>
-                <a:latin typeface="Century Gothic"/>
-                <a:ea typeface="DejaVu Sans"/>
-              </a:rPr>
-              <a:t>methodology of running your project. </a:t>
-            </a:r>
-            <a:br/>
-            <a:r>
-              <a:rPr b="0" lang="de-DE" sz="1800" spc="-1" strike="noStrike">
-                <a:solidFill>
-                  <a:srgbClr val="404040"/>
-                </a:solidFill>
-                <a:latin typeface="Century Gothic"/>
-                <a:ea typeface="DejaVu Sans"/>
-              </a:rPr>
-              <a:t>You dont need to mention it 4 times, but for me I need to see whether you cover all aspects</a:t>
-            </a:r>
-            <a:br/>
-            <a:r>
-              <a:rPr b="0" lang="de-DE" sz="1800" spc="-1" strike="noStrike">
-                <a:solidFill>
-                  <a:srgbClr val="404040"/>
-                </a:solidFill>
-                <a:latin typeface="Century Gothic"/>
-                <a:ea typeface="DejaVu Sans"/>
-              </a:rPr>
-              <a:t>of the testing during your talk.</a:t>
-            </a:r>
-            <a:endParaRPr b="0" lang="de-DE" sz="1800" spc="-1" strike="noStrike">
+              <a:t>live demo</a:t>
+            </a:r>
+            <a:endParaRPr b="0" lang="de-DE" sz="2000" spc="-1" strike="noStrike">
               <a:latin typeface="Arial"/>
             </a:endParaRPr>
           </a:p>
@@ -8550,7 +8469,7 @@
         <p:spPr>
           <a:xfrm>
             <a:off x="1176120" y="519120"/>
-            <a:ext cx="8759520" cy="704520"/>
+            <a:ext cx="8759160" cy="704160"/>
           </a:xfrm>
           <a:prstGeom prst="rect">
             <a:avLst/>
@@ -8582,7 +8501,7 @@
                 <a:latin typeface="Century Gothic"/>
                 <a:ea typeface="DejaVu Sans"/>
               </a:rPr>
-              <a:t>Automation</a:t>
+              <a:t>Technology</a:t>
             </a:r>
             <a:endParaRPr b="0" lang="de-DE" sz="3600" spc="-1" strike="noStrike">
               <a:latin typeface="Arial"/>
@@ -8639,179 +8558,29 @@
           <a:chExt cx="0" cy="0"/>
         </a:xfrm>
       </p:grpSpPr>
-      <p:sp>
-        <p:nvSpPr>
-          <p:cNvPr id="185" name="CustomShape 1"/>
-          <p:cNvSpPr/>
+      <p:pic>
+        <p:nvPicPr>
+          <p:cNvPr id="185" name="" descr=""/>
+          <p:cNvPicPr/>
           <p:nvPr/>
-        </p:nvSpPr>
-        <p:spPr>
-          <a:xfrm>
-            <a:off x="1154520" y="2677680"/>
-            <a:ext cx="4348800" cy="2281320"/>
-          </a:xfrm>
-          <a:prstGeom prst="rect">
-            <a:avLst/>
-          </a:prstGeom>
-          <a:noFill/>
+        </p:nvPicPr>
+        <p:blipFill>
+          <a:blip r:embed="rId1"/>
+          <a:stretch/>
+        </p:blipFill>
+        <p:spPr>
+          <a:xfrm>
+            <a:off x="1151640" y="473760"/>
+            <a:ext cx="9287280" cy="6103080"/>
+          </a:xfrm>
+          <a:prstGeom prst="rect">
+            <a:avLst/>
+          </a:prstGeom>
           <a:ln>
             <a:noFill/>
           </a:ln>
         </p:spPr>
-        <p:style>
-          <a:lnRef idx="0"/>
-          <a:fillRef idx="0"/>
-          <a:effectRef idx="0"/>
-          <a:fontRef idx="minor"/>
-        </p:style>
-      </p:sp>
-      <p:sp>
-        <p:nvSpPr>
-          <p:cNvPr id="186" name="CustomShape 2"/>
-          <p:cNvSpPr/>
-          <p:nvPr/>
-        </p:nvSpPr>
-        <p:spPr>
-          <a:xfrm>
-            <a:off x="1284120" y="1656000"/>
-            <a:ext cx="3755520" cy="2281320"/>
-          </a:xfrm>
-          <a:prstGeom prst="rect">
-            <a:avLst/>
-          </a:prstGeom>
-          <a:noFill/>
-          <a:ln>
-            <a:noFill/>
-          </a:ln>
-        </p:spPr>
-        <p:style>
-          <a:lnRef idx="0"/>
-          <a:fillRef idx="0"/>
-          <a:effectRef idx="0"/>
-          <a:fontRef idx="minor"/>
-        </p:style>
-        <p:txBody>
-          <a:bodyPr lIns="90000" rIns="90000" tIns="45000" bIns="45000" anchor="ctr"/>
-          <a:p>
-            <a:pPr>
-              <a:lnSpc>
-                <a:spcPct val="100000"/>
-              </a:lnSpc>
-              <a:spcBef>
-                <a:spcPts val="1001"/>
-              </a:spcBef>
-            </a:pPr>
-            <a:r>
-              <a:rPr b="0" lang="de-DE" sz="2000" spc="-1" strike="noStrike" cap="all">
-                <a:solidFill>
-                  <a:srgbClr val="ef53a5"/>
-                </a:solidFill>
-                <a:latin typeface="Century Gothic"/>
-                <a:ea typeface="DejaVu Sans"/>
-              </a:rPr>
-              <a:t>Class diagram</a:t>
-            </a:r>
-            <a:endParaRPr b="0" lang="de-DE" sz="2000" spc="-1" strike="noStrike">
-              <a:latin typeface="Arial"/>
-            </a:endParaRPr>
-          </a:p>
-          <a:p>
-            <a:pPr>
-              <a:lnSpc>
-                <a:spcPct val="100000"/>
-              </a:lnSpc>
-              <a:spcBef>
-                <a:spcPts val="1001"/>
-              </a:spcBef>
-            </a:pPr>
-            <a:r>
-              <a:rPr b="0" lang="de-DE" sz="2000" spc="-1" strike="noStrike" cap="all">
-                <a:solidFill>
-                  <a:srgbClr val="ef53a5"/>
-                </a:solidFill>
-                <a:latin typeface="Century Gothic"/>
-                <a:ea typeface="DejaVu Sans"/>
-              </a:rPr>
-              <a:t>Technical Ability</a:t>
-            </a:r>
-            <a:endParaRPr b="0" lang="de-DE" sz="2000" spc="-1" strike="noStrike">
-              <a:latin typeface="Arial"/>
-            </a:endParaRPr>
-          </a:p>
-          <a:p>
-            <a:pPr>
-              <a:lnSpc>
-                <a:spcPct val="100000"/>
-              </a:lnSpc>
-              <a:spcBef>
-                <a:spcPts val="1001"/>
-              </a:spcBef>
-            </a:pPr>
-            <a:r>
-              <a:rPr b="0" lang="de-DE" sz="2000" spc="-1" strike="noStrike" cap="all">
-                <a:solidFill>
-                  <a:srgbClr val="ef53a5"/>
-                </a:solidFill>
-                <a:latin typeface="Century Gothic"/>
-                <a:ea typeface="DejaVu Sans"/>
-              </a:rPr>
-              <a:t>live demo</a:t>
-            </a:r>
-            <a:endParaRPr b="0" lang="de-DE" sz="2000" spc="-1" strike="noStrike">
-              <a:latin typeface="Arial"/>
-            </a:endParaRPr>
-          </a:p>
-        </p:txBody>
-      </p:sp>
-      <p:sp>
-        <p:nvSpPr>
-          <p:cNvPr id="187" name="CustomShape 3"/>
-          <p:cNvSpPr/>
-          <p:nvPr/>
-        </p:nvSpPr>
-        <p:spPr>
-          <a:xfrm>
-            <a:off x="1176120" y="519120"/>
-            <a:ext cx="8759520" cy="704520"/>
-          </a:xfrm>
-          <a:prstGeom prst="rect">
-            <a:avLst/>
-          </a:prstGeom>
-          <a:noFill/>
-          <a:ln>
-            <a:noFill/>
-          </a:ln>
-        </p:spPr>
-        <p:style>
-          <a:lnRef idx="0"/>
-          <a:fillRef idx="0"/>
-          <a:effectRef idx="0"/>
-          <a:fontRef idx="minor"/>
-        </p:style>
-        <p:txBody>
-          <a:bodyPr lIns="90000" rIns="90000" tIns="45000" bIns="45000" anchor="ctr"/>
-          <a:p>
-            <a:pPr>
-              <a:lnSpc>
-                <a:spcPct val="100000"/>
-              </a:lnSpc>
-            </a:pPr>
-            <a:r>
-              <a:rPr b="0" lang="de-DE" sz="3600" spc="-1" strike="noStrike">
-                <a:solidFill>
-                  <a:srgbClr val="ebebeb"/>
-                </a:solidFill>
-                <a:latin typeface="Century Gothic"/>
-                <a:ea typeface="DejaVu Sans"/>
-              </a:rPr>
-              <a:t>Technology</a:t>
-            </a:r>
-            <a:endParaRPr b="0" lang="de-DE" sz="3600" spc="-1" strike="noStrike">
-              <a:latin typeface="Arial"/>
-            </a:endParaRPr>
-          </a:p>
-        </p:txBody>
-      </p:sp>
+      </p:pic>
     </p:spTree>
   </p:cSld>
   <p:timing>
@@ -8861,29 +8630,338 @@
           <a:chExt cx="0" cy="0"/>
         </a:xfrm>
       </p:grpSpPr>
-      <p:pic>
-        <p:nvPicPr>
-          <p:cNvPr id="188" name="" descr=""/>
-          <p:cNvPicPr/>
+      <p:sp>
+        <p:nvSpPr>
+          <p:cNvPr id="186" name="CustomShape 1"/>
+          <p:cNvSpPr/>
           <p:nvPr/>
-        </p:nvPicPr>
-        <p:blipFill>
-          <a:blip r:embed="rId1"/>
-          <a:stretch/>
-        </p:blipFill>
-        <p:spPr>
-          <a:xfrm>
-            <a:off x="1151640" y="473760"/>
-            <a:ext cx="9287640" cy="6103440"/>
-          </a:xfrm>
-          <a:prstGeom prst="rect">
-            <a:avLst/>
-          </a:prstGeom>
+        </p:nvSpPr>
+        <p:spPr>
+          <a:xfrm>
+            <a:off x="648000" y="698040"/>
+            <a:ext cx="5326200" cy="669240"/>
+          </a:xfrm>
+          <a:prstGeom prst="rect">
+            <a:avLst/>
+          </a:prstGeom>
+          <a:noFill/>
           <a:ln>
             <a:noFill/>
           </a:ln>
         </p:spPr>
-      </p:pic>
+        <p:style>
+          <a:lnRef idx="0"/>
+          <a:fillRef idx="0"/>
+          <a:effectRef idx="0"/>
+          <a:fontRef idx="minor"/>
+        </p:style>
+      </p:sp>
+      <p:sp>
+        <p:nvSpPr>
+          <p:cNvPr id="187" name="CustomShape 2"/>
+          <p:cNvSpPr/>
+          <p:nvPr/>
+        </p:nvSpPr>
+        <p:spPr>
+          <a:xfrm>
+            <a:off x="609120" y="1604520"/>
+            <a:ext cx="10971360" cy="3975120"/>
+          </a:xfrm>
+          <a:prstGeom prst="rect">
+            <a:avLst/>
+          </a:prstGeom>
+          <a:noFill/>
+          <a:ln>
+            <a:noFill/>
+          </a:ln>
+        </p:spPr>
+        <p:style>
+          <a:lnRef idx="0"/>
+          <a:fillRef idx="0"/>
+          <a:effectRef idx="0"/>
+          <a:fontRef idx="minor"/>
+        </p:style>
+      </p:sp>
+      <p:sp>
+        <p:nvSpPr>
+          <p:cNvPr id="188" name="CustomShape 3"/>
+          <p:cNvSpPr/>
+          <p:nvPr/>
+        </p:nvSpPr>
+        <p:spPr>
+          <a:xfrm>
+            <a:off x="1176120" y="519120"/>
+            <a:ext cx="8759160" cy="704160"/>
+          </a:xfrm>
+          <a:prstGeom prst="rect">
+            <a:avLst/>
+          </a:prstGeom>
+          <a:noFill/>
+          <a:ln>
+            <a:noFill/>
+          </a:ln>
+        </p:spPr>
+        <p:style>
+          <a:lnRef idx="0"/>
+          <a:fillRef idx="0"/>
+          <a:effectRef idx="0"/>
+          <a:fontRef idx="minor"/>
+        </p:style>
+        <p:txBody>
+          <a:bodyPr lIns="90000" rIns="90000" tIns="45000" bIns="45000" anchor="ctr"/>
+          <a:p>
+            <a:pPr>
+              <a:lnSpc>
+                <a:spcPct val="100000"/>
+              </a:lnSpc>
+            </a:pPr>
+            <a:r>
+              <a:rPr b="0" lang="de-DE" sz="3600" spc="-1" strike="noStrike">
+                <a:solidFill>
+                  <a:srgbClr val="ebebeb"/>
+                </a:solidFill>
+                <a:latin typeface="Century Gothic"/>
+                <a:ea typeface="DejaVu Sans"/>
+              </a:rPr>
+              <a:t>Technical Ability</a:t>
+            </a:r>
+            <a:endParaRPr b="0" lang="de-DE" sz="3600" spc="-1" strike="noStrike">
+              <a:latin typeface="Arial"/>
+            </a:endParaRPr>
+          </a:p>
+        </p:txBody>
+      </p:sp>
+      <p:sp>
+        <p:nvSpPr>
+          <p:cNvPr id="189" name="CustomShape 4"/>
+          <p:cNvSpPr/>
+          <p:nvPr/>
+        </p:nvSpPr>
+        <p:spPr>
+          <a:xfrm>
+            <a:off x="1224000" y="2376000"/>
+            <a:ext cx="12815280" cy="3455280"/>
+          </a:xfrm>
+          <a:prstGeom prst="rect">
+            <a:avLst/>
+          </a:prstGeom>
+          <a:noFill/>
+          <a:ln>
+            <a:noFill/>
+          </a:ln>
+        </p:spPr>
+        <p:style>
+          <a:lnRef idx="0"/>
+          <a:fillRef idx="0"/>
+          <a:effectRef idx="0"/>
+          <a:fontRef idx="minor"/>
+        </p:style>
+        <p:txBody>
+          <a:bodyPr lIns="90000" rIns="90000" tIns="45000" bIns="45000">
+            <a:normAutofit/>
+          </a:bodyPr>
+          <a:p>
+            <a:pPr marL="343080" indent="-340200">
+              <a:lnSpc>
+                <a:spcPct val="100000"/>
+              </a:lnSpc>
+              <a:spcBef>
+                <a:spcPts val="1001"/>
+              </a:spcBef>
+              <a:buClr>
+                <a:srgbClr val="b31166"/>
+              </a:buClr>
+              <a:buSzPct val="80000"/>
+              <a:buFont typeface="Wingdings 3" charset="2"/>
+              <a:buChar char=""/>
+            </a:pPr>
+            <a:r>
+              <a:rPr b="0" lang="de-DE" sz="1800" spc="-1" strike="noStrike">
+                <a:solidFill>
+                  <a:srgbClr val="404040"/>
+                </a:solidFill>
+                <a:latin typeface="Century Gothic"/>
+                <a:ea typeface="DejaVu Sans"/>
+              </a:rPr>
+              <a:t>Account</a:t>
+            </a:r>
+            <a:endParaRPr b="0" lang="de-DE" sz="1800" spc="-1" strike="noStrike">
+              <a:latin typeface="Arial"/>
+            </a:endParaRPr>
+          </a:p>
+          <a:p>
+            <a:pPr marL="343080" indent="-340200">
+              <a:lnSpc>
+                <a:spcPct val="100000"/>
+              </a:lnSpc>
+              <a:spcBef>
+                <a:spcPts val="1001"/>
+              </a:spcBef>
+              <a:buClr>
+                <a:srgbClr val="b31166"/>
+              </a:buClr>
+              <a:buSzPct val="80000"/>
+              <a:buFont typeface="Wingdings 3" charset="2"/>
+              <a:buChar char=""/>
+            </a:pPr>
+            <a:r>
+              <a:rPr b="0" lang="de-DE" sz="1800" spc="-1" strike="noStrike">
+                <a:solidFill>
+                  <a:srgbClr val="404040"/>
+                </a:solidFill>
+                <a:latin typeface="Century Gothic"/>
+                <a:ea typeface="DejaVu Sans"/>
+              </a:rPr>
+              <a:t>CRUD Missions</a:t>
+            </a:r>
+            <a:endParaRPr b="0" lang="de-DE" sz="1800" spc="-1" strike="noStrike">
+              <a:latin typeface="Arial"/>
+            </a:endParaRPr>
+          </a:p>
+          <a:p>
+            <a:pPr marL="343080" indent="-340200">
+              <a:lnSpc>
+                <a:spcPct val="100000"/>
+              </a:lnSpc>
+              <a:spcBef>
+                <a:spcPts val="1001"/>
+              </a:spcBef>
+              <a:buClr>
+                <a:srgbClr val="b31166"/>
+              </a:buClr>
+              <a:buSzPct val="80000"/>
+              <a:buFont typeface="Wingdings 3" charset="2"/>
+              <a:buChar char=""/>
+            </a:pPr>
+            <a:r>
+              <a:rPr b="0" lang="de-DE" sz="1800" spc="-1" strike="noStrike">
+                <a:solidFill>
+                  <a:srgbClr val="404040"/>
+                </a:solidFill>
+                <a:latin typeface="Century Gothic"/>
+                <a:ea typeface="DejaVu Sans"/>
+              </a:rPr>
+              <a:t>CRUD Tasks</a:t>
+            </a:r>
+            <a:endParaRPr b="0" lang="de-DE" sz="1800" spc="-1" strike="noStrike">
+              <a:latin typeface="Arial"/>
+            </a:endParaRPr>
+          </a:p>
+          <a:p>
+            <a:pPr marL="343080" indent="-340200">
+              <a:lnSpc>
+                <a:spcPct val="100000"/>
+              </a:lnSpc>
+              <a:spcBef>
+                <a:spcPts val="1001"/>
+              </a:spcBef>
+              <a:buClr>
+                <a:srgbClr val="b31166"/>
+              </a:buClr>
+              <a:buSzPct val="80000"/>
+              <a:buFont typeface="Wingdings 3" charset="2"/>
+              <a:buChar char=""/>
+            </a:pPr>
+            <a:r>
+              <a:rPr b="0" lang="de-DE" sz="1800" spc="-1" strike="noStrike">
+                <a:solidFill>
+                  <a:srgbClr val="404040"/>
+                </a:solidFill>
+                <a:latin typeface="Century Gothic"/>
+                <a:ea typeface="DejaVu Sans"/>
+              </a:rPr>
+              <a:t>CRUD Rewards</a:t>
+            </a:r>
+            <a:endParaRPr b="0" lang="de-DE" sz="1800" spc="-1" strike="noStrike">
+              <a:latin typeface="Arial"/>
+            </a:endParaRPr>
+          </a:p>
+          <a:p>
+            <a:pPr marL="343080" indent="-340200">
+              <a:lnSpc>
+                <a:spcPct val="100000"/>
+              </a:lnSpc>
+              <a:spcBef>
+                <a:spcPts val="1001"/>
+              </a:spcBef>
+              <a:buClr>
+                <a:srgbClr val="b31166"/>
+              </a:buClr>
+              <a:buSzPct val="80000"/>
+              <a:buFont typeface="Wingdings 3" charset="2"/>
+              <a:buChar char=""/>
+            </a:pPr>
+            <a:r>
+              <a:rPr b="0" lang="de-DE" sz="1800" spc="-1" strike="noStrike">
+                <a:solidFill>
+                  <a:srgbClr val="404040"/>
+                </a:solidFill>
+                <a:latin typeface="Century Gothic"/>
+                <a:ea typeface="DejaVu Sans"/>
+              </a:rPr>
+              <a:t>Statistics</a:t>
+            </a:r>
+            <a:endParaRPr b="0" lang="de-DE" sz="1800" spc="-1" strike="noStrike">
+              <a:latin typeface="Arial"/>
+            </a:endParaRPr>
+          </a:p>
+          <a:p>
+            <a:pPr marL="343080" indent="-340200">
+              <a:lnSpc>
+                <a:spcPct val="100000"/>
+              </a:lnSpc>
+              <a:spcBef>
+                <a:spcPts val="1001"/>
+              </a:spcBef>
+              <a:buClr>
+                <a:srgbClr val="b31166"/>
+              </a:buClr>
+              <a:buSzPct val="80000"/>
+              <a:buFont typeface="Wingdings 3" charset="2"/>
+              <a:buChar char=""/>
+            </a:pPr>
+            <a:r>
+              <a:rPr b="0" lang="de-DE" sz="1800" spc="-1" strike="noStrike">
+                <a:solidFill>
+                  <a:srgbClr val="404040"/>
+                </a:solidFill>
+                <a:latin typeface="Century Gothic"/>
+                <a:ea typeface="DejaVu Sans"/>
+              </a:rPr>
+              <a:t>Achievements</a:t>
+            </a:r>
+            <a:endParaRPr b="0" lang="de-DE" sz="1800" spc="-1" strike="noStrike">
+              <a:latin typeface="Arial"/>
+            </a:endParaRPr>
+          </a:p>
+          <a:p>
+            <a:pPr>
+              <a:lnSpc>
+                <a:spcPct val="100000"/>
+              </a:lnSpc>
+              <a:spcBef>
+                <a:spcPts val="1001"/>
+              </a:spcBef>
+            </a:pPr>
+            <a:endParaRPr b="0" lang="de-DE" sz="1800" spc="-1" strike="noStrike">
+              <a:latin typeface="Arial"/>
+            </a:endParaRPr>
+          </a:p>
+          <a:p>
+            <a:pPr>
+              <a:lnSpc>
+                <a:spcPct val="100000"/>
+              </a:lnSpc>
+              <a:spcBef>
+                <a:spcPts val="1001"/>
+              </a:spcBef>
+            </a:pPr>
+            <a:endParaRPr b="0" lang="de-DE" sz="1800" spc="-1" strike="noStrike">
+              <a:latin typeface="Arial"/>
+            </a:endParaRPr>
+          </a:p>
+        </p:txBody>
+      </p:sp>
     </p:spTree>
   </p:cSld>
   <p:timing>
@@ -8935,14 +9013,14 @@
       </p:grpSpPr>
       <p:sp>
         <p:nvSpPr>
-          <p:cNvPr id="189" name="CustomShape 1"/>
+          <p:cNvPr id="190" name="CustomShape 1"/>
           <p:cNvSpPr/>
           <p:nvPr/>
         </p:nvSpPr>
         <p:spPr>
           <a:xfrm>
-            <a:off x="648000" y="698040"/>
-            <a:ext cx="5326560" cy="669600"/>
+            <a:off x="1154520" y="973800"/>
+            <a:ext cx="8759160" cy="704160"/>
           </a:xfrm>
           <a:prstGeom prst="rect">
             <a:avLst/>
@@ -8961,14 +9039,14 @@
       </p:sp>
       <p:sp>
         <p:nvSpPr>
-          <p:cNvPr id="190" name="CustomShape 2"/>
+          <p:cNvPr id="191" name="CustomShape 2"/>
           <p:cNvSpPr/>
           <p:nvPr/>
         </p:nvSpPr>
         <p:spPr>
           <a:xfrm>
-            <a:off x="609120" y="1604520"/>
-            <a:ext cx="10971720" cy="3975480"/>
+            <a:off x="1176120" y="519120"/>
+            <a:ext cx="8759160" cy="704160"/>
           </a:xfrm>
           <a:prstGeom prst="rect">
             <a:avLst/>
@@ -8984,32 +9062,6 @@
           <a:effectRef idx="0"/>
           <a:fontRef idx="minor"/>
         </p:style>
-      </p:sp>
-      <p:sp>
-        <p:nvSpPr>
-          <p:cNvPr id="191" name="CustomShape 3"/>
-          <p:cNvSpPr/>
-          <p:nvPr/>
-        </p:nvSpPr>
-        <p:spPr>
-          <a:xfrm>
-            <a:off x="1176120" y="519120"/>
-            <a:ext cx="8759520" cy="704520"/>
-          </a:xfrm>
-          <a:prstGeom prst="rect">
-            <a:avLst/>
-          </a:prstGeom>
-          <a:noFill/>
-          <a:ln>
-            <a:noFill/>
-          </a:ln>
-        </p:spPr>
-        <p:style>
-          <a:lnRef idx="0"/>
-          <a:fillRef idx="0"/>
-          <a:effectRef idx="0"/>
-          <a:fontRef idx="minor"/>
-        </p:style>
         <p:txBody>
           <a:bodyPr lIns="90000" rIns="90000" tIns="45000" bIns="45000" anchor="ctr"/>
           <a:p>
@@ -9026,240 +9078,9 @@
                 <a:latin typeface="Century Gothic"/>
                 <a:ea typeface="DejaVu Sans"/>
               </a:rPr>
-              <a:t>Technical Ability</a:t>
+              <a:t>Demo</a:t>
             </a:r>
             <a:endParaRPr b="0" lang="de-DE" sz="3600" spc="-1" strike="noStrike">
-              <a:latin typeface="Arial"/>
-            </a:endParaRPr>
-          </a:p>
-        </p:txBody>
-      </p:sp>
-      <p:sp>
-        <p:nvSpPr>
-          <p:cNvPr id="192" name="CustomShape 4"/>
-          <p:cNvSpPr/>
-          <p:nvPr/>
-        </p:nvSpPr>
-        <p:spPr>
-          <a:xfrm>
-            <a:off x="1224000" y="2376000"/>
-            <a:ext cx="12815640" cy="3455640"/>
-          </a:xfrm>
-          <a:prstGeom prst="rect">
-            <a:avLst/>
-          </a:prstGeom>
-          <a:noFill/>
-          <a:ln>
-            <a:noFill/>
-          </a:ln>
-        </p:spPr>
-        <p:style>
-          <a:lnRef idx="0"/>
-          <a:fillRef idx="0"/>
-          <a:effectRef idx="0"/>
-          <a:fontRef idx="minor"/>
-        </p:style>
-        <p:txBody>
-          <a:bodyPr lIns="90000" rIns="90000" tIns="45000" bIns="45000">
-            <a:normAutofit/>
-          </a:bodyPr>
-          <a:p>
-            <a:pPr marL="343080" indent="-340560">
-              <a:lnSpc>
-                <a:spcPct val="100000"/>
-              </a:lnSpc>
-              <a:spcBef>
-                <a:spcPts val="1001"/>
-              </a:spcBef>
-              <a:buClr>
-                <a:srgbClr val="b31166"/>
-              </a:buClr>
-              <a:buSzPct val="80000"/>
-              <a:buFont typeface="Wingdings 3" charset="2"/>
-              <a:buChar char=""/>
-            </a:pPr>
-            <a:r>
-              <a:rPr b="0" lang="de-DE" sz="1800" spc="-1" strike="noStrike">
-                <a:solidFill>
-                  <a:srgbClr val="404040"/>
-                </a:solidFill>
-                <a:latin typeface="Century Gothic"/>
-                <a:ea typeface="DejaVu Sans"/>
-              </a:rPr>
-              <a:t>Account</a:t>
-            </a:r>
-            <a:endParaRPr b="0" lang="de-DE" sz="1800" spc="-1" strike="noStrike">
-              <a:latin typeface="Arial"/>
-            </a:endParaRPr>
-          </a:p>
-          <a:p>
-            <a:pPr marL="343080" indent="-340560">
-              <a:lnSpc>
-                <a:spcPct val="100000"/>
-              </a:lnSpc>
-              <a:spcBef>
-                <a:spcPts val="1001"/>
-              </a:spcBef>
-              <a:buClr>
-                <a:srgbClr val="b31166"/>
-              </a:buClr>
-              <a:buSzPct val="80000"/>
-              <a:buFont typeface="Wingdings 3" charset="2"/>
-              <a:buChar char=""/>
-            </a:pPr>
-            <a:r>
-              <a:rPr b="0" lang="de-DE" sz="1800" spc="-1" strike="noStrike">
-                <a:solidFill>
-                  <a:srgbClr val="404040"/>
-                </a:solidFill>
-                <a:latin typeface="Century Gothic"/>
-                <a:ea typeface="DejaVu Sans"/>
-              </a:rPr>
-              <a:t>CRUD Missions</a:t>
-            </a:r>
-            <a:endParaRPr b="0" lang="de-DE" sz="1800" spc="-1" strike="noStrike">
-              <a:latin typeface="Arial"/>
-            </a:endParaRPr>
-          </a:p>
-          <a:p>
-            <a:pPr marL="343080" indent="-340560">
-              <a:lnSpc>
-                <a:spcPct val="100000"/>
-              </a:lnSpc>
-              <a:spcBef>
-                <a:spcPts val="1001"/>
-              </a:spcBef>
-              <a:buClr>
-                <a:srgbClr val="b31166"/>
-              </a:buClr>
-              <a:buSzPct val="80000"/>
-              <a:buFont typeface="Wingdings 3" charset="2"/>
-              <a:buChar char=""/>
-            </a:pPr>
-            <a:r>
-              <a:rPr b="0" lang="de-DE" sz="1800" spc="-1" strike="noStrike">
-                <a:solidFill>
-                  <a:srgbClr val="404040"/>
-                </a:solidFill>
-                <a:latin typeface="Century Gothic"/>
-                <a:ea typeface="DejaVu Sans"/>
-              </a:rPr>
-              <a:t>CRUD Tasks</a:t>
-            </a:r>
-            <a:endParaRPr b="0" lang="de-DE" sz="1800" spc="-1" strike="noStrike">
-              <a:latin typeface="Arial"/>
-            </a:endParaRPr>
-          </a:p>
-          <a:p>
-            <a:pPr marL="343080" indent="-340560">
-              <a:lnSpc>
-                <a:spcPct val="100000"/>
-              </a:lnSpc>
-              <a:spcBef>
-                <a:spcPts val="1001"/>
-              </a:spcBef>
-              <a:buClr>
-                <a:srgbClr val="b31166"/>
-              </a:buClr>
-              <a:buSzPct val="80000"/>
-              <a:buFont typeface="Wingdings 3" charset="2"/>
-              <a:buChar char=""/>
-            </a:pPr>
-            <a:r>
-              <a:rPr b="0" lang="de-DE" sz="1800" spc="-1" strike="noStrike">
-                <a:solidFill>
-                  <a:srgbClr val="404040"/>
-                </a:solidFill>
-                <a:latin typeface="Century Gothic"/>
-                <a:ea typeface="DejaVu Sans"/>
-              </a:rPr>
-              <a:t>CRUD Rewards</a:t>
-            </a:r>
-            <a:endParaRPr b="0" lang="de-DE" sz="1800" spc="-1" strike="noStrike">
-              <a:latin typeface="Arial"/>
-            </a:endParaRPr>
-          </a:p>
-          <a:p>
-            <a:pPr marL="343080" indent="-340560">
-              <a:lnSpc>
-                <a:spcPct val="100000"/>
-              </a:lnSpc>
-              <a:spcBef>
-                <a:spcPts val="1001"/>
-              </a:spcBef>
-              <a:buClr>
-                <a:srgbClr val="b31166"/>
-              </a:buClr>
-              <a:buSzPct val="80000"/>
-              <a:buFont typeface="Wingdings 3" charset="2"/>
-              <a:buChar char=""/>
-            </a:pPr>
-            <a:r>
-              <a:rPr b="0" lang="de-DE" sz="1800" spc="-1" strike="noStrike">
-                <a:solidFill>
-                  <a:srgbClr val="404040"/>
-                </a:solidFill>
-                <a:latin typeface="Century Gothic"/>
-                <a:ea typeface="DejaVu Sans"/>
-              </a:rPr>
-              <a:t>Statistics</a:t>
-            </a:r>
-            <a:endParaRPr b="0" lang="de-DE" sz="1800" spc="-1" strike="noStrike">
-              <a:latin typeface="Arial"/>
-            </a:endParaRPr>
-          </a:p>
-          <a:p>
-            <a:pPr marL="343080" indent="-340560">
-              <a:lnSpc>
-                <a:spcPct val="100000"/>
-              </a:lnSpc>
-              <a:spcBef>
-                <a:spcPts val="1001"/>
-              </a:spcBef>
-              <a:buClr>
-                <a:srgbClr val="b31166"/>
-              </a:buClr>
-              <a:buSzPct val="80000"/>
-              <a:buFont typeface="Wingdings 3" charset="2"/>
-              <a:buChar char=""/>
-            </a:pPr>
-            <a:r>
-              <a:rPr b="0" lang="de-DE" sz="1800" spc="-1" strike="noStrike">
-                <a:solidFill>
-                  <a:srgbClr val="404040"/>
-                </a:solidFill>
-                <a:latin typeface="Century Gothic"/>
-                <a:ea typeface="DejaVu Sans"/>
-              </a:rPr>
-              <a:t>Achievements</a:t>
-            </a:r>
-            <a:endParaRPr b="0" lang="de-DE" sz="1800" spc="-1" strike="noStrike">
-              <a:latin typeface="Arial"/>
-            </a:endParaRPr>
-          </a:p>
-          <a:p>
-            <a:pPr>
-              <a:lnSpc>
-                <a:spcPct val="100000"/>
-              </a:lnSpc>
-              <a:spcBef>
-                <a:spcPts val="1001"/>
-              </a:spcBef>
-            </a:pPr>
-            <a:endParaRPr b="0" lang="de-DE" sz="1800" spc="-1" strike="noStrike">
-              <a:latin typeface="Arial"/>
-            </a:endParaRPr>
-          </a:p>
-          <a:p>
-            <a:pPr>
-              <a:lnSpc>
-                <a:spcPct val="100000"/>
-              </a:lnSpc>
-              <a:spcBef>
-                <a:spcPts val="1001"/>
-              </a:spcBef>
-            </a:pPr>
-            <a:endParaRPr b="0" lang="de-DE" sz="1800" spc="-1" strike="noStrike">
               <a:latin typeface="Arial"/>
             </a:endParaRPr>
           </a:p>
@@ -9274,130 +9095,6 @@
           <p:childTnLst>
             <p:seq>
               <p:cTn id="54" nodeType="mainSeq"/>
-              <p:prevCondLst>
-                <p:cond delay="0" evt="onPrev">
-                  <p:tgtEl>
-                    <p:sldTgt/>
-                  </p:tgtEl>
-                </p:cond>
-              </p:prevCondLst>
-              <p:nextCondLst>
-                <p:cond delay="0" evt="onNext">
-                  <p:tgtEl>
-                    <p:sldTgt/>
-                  </p:tgtEl>
-                </p:cond>
-              </p:nextCondLst>
-            </p:seq>
-          </p:childTnLst>
-        </p:cTn>
-      </p:par>
-    </p:tnLst>
-  </p:timing>
-</p:sld>
-</file>
-
-<file path=ppt/slides/slide28.xml><?xml version="1.0" encoding="utf-8"?>
-<p:sld xmlns:a="http://schemas.openxmlformats.org/drawingml/2006/main" xmlns:p="http://schemas.openxmlformats.org/presentationml/2006/main" xmlns:r="http://schemas.openxmlformats.org/officeDocument/2006/relationships" xmlns:p14="http://schemas.microsoft.com/office/powerpoint/2010/main" xmlns:p15="http://schemas.microsoft.com/office/powerpoint/2012/main" xmlns:mc="http://schemas.openxmlformats.org/markup-compatibility/2006">
-  <p:cSld>
-    <p:spTree>
-      <p:nvGrpSpPr>
-        <p:cNvPr id="1" name=""/>
-        <p:cNvGrpSpPr/>
-        <p:nvPr/>
-      </p:nvGrpSpPr>
-      <p:grpSpPr>
-        <a:xfrm>
-          <a:off x="0" y="0"/>
-          <a:ext cx="0" cy="0"/>
-          <a:chOff x="0" y="0"/>
-          <a:chExt cx="0" cy="0"/>
-        </a:xfrm>
-      </p:grpSpPr>
-      <p:sp>
-        <p:nvSpPr>
-          <p:cNvPr id="193" name="CustomShape 1"/>
-          <p:cNvSpPr/>
-          <p:nvPr/>
-        </p:nvSpPr>
-        <p:spPr>
-          <a:xfrm>
-            <a:off x="1154520" y="973800"/>
-            <a:ext cx="8759520" cy="704520"/>
-          </a:xfrm>
-          <a:prstGeom prst="rect">
-            <a:avLst/>
-          </a:prstGeom>
-          <a:noFill/>
-          <a:ln>
-            <a:noFill/>
-          </a:ln>
-        </p:spPr>
-        <p:style>
-          <a:lnRef idx="0"/>
-          <a:fillRef idx="0"/>
-          <a:effectRef idx="0"/>
-          <a:fontRef idx="minor"/>
-        </p:style>
-      </p:sp>
-      <p:sp>
-        <p:nvSpPr>
-          <p:cNvPr id="194" name="CustomShape 2"/>
-          <p:cNvSpPr/>
-          <p:nvPr/>
-        </p:nvSpPr>
-        <p:spPr>
-          <a:xfrm>
-            <a:off x="1176120" y="519120"/>
-            <a:ext cx="8759520" cy="704520"/>
-          </a:xfrm>
-          <a:prstGeom prst="rect">
-            <a:avLst/>
-          </a:prstGeom>
-          <a:noFill/>
-          <a:ln>
-            <a:noFill/>
-          </a:ln>
-        </p:spPr>
-        <p:style>
-          <a:lnRef idx="0"/>
-          <a:fillRef idx="0"/>
-          <a:effectRef idx="0"/>
-          <a:fontRef idx="minor"/>
-        </p:style>
-        <p:txBody>
-          <a:bodyPr lIns="90000" rIns="90000" tIns="45000" bIns="45000" anchor="ctr"/>
-          <a:p>
-            <a:pPr>
-              <a:lnSpc>
-                <a:spcPct val="100000"/>
-              </a:lnSpc>
-            </a:pPr>
-            <a:r>
-              <a:rPr b="0" lang="de-DE" sz="3600" spc="-1" strike="noStrike">
-                <a:solidFill>
-                  <a:srgbClr val="ebebeb"/>
-                </a:solidFill>
-                <a:latin typeface="Century Gothic"/>
-                <a:ea typeface="DejaVu Sans"/>
-              </a:rPr>
-              <a:t>Demo</a:t>
-            </a:r>
-            <a:endParaRPr b="0" lang="de-DE" sz="3600" spc="-1" strike="noStrike">
-              <a:latin typeface="Arial"/>
-            </a:endParaRPr>
-          </a:p>
-        </p:txBody>
-      </p:sp>
-    </p:spTree>
-  </p:cSld>
-  <p:timing>
-    <p:tnLst>
-      <p:par>
-        <p:cTn id="55" dur="indefinite" restart="never" nodeType="tmRoot">
-          <p:childTnLst>
-            <p:seq>
-              <p:cTn id="56" nodeType="mainSeq"/>
               <p:prevCondLst>
                 <p:cond delay="0" evt="onPrev">
                   <p:tgtEl>
@@ -9447,7 +9144,7 @@
         <p:spPr>
           <a:xfrm>
             <a:off x="1154520" y="2677680"/>
-            <a:ext cx="4348800" cy="2281320"/>
+            <a:ext cx="4348440" cy="2280960"/>
           </a:xfrm>
           <a:prstGeom prst="rect">
             <a:avLst/>
@@ -9487,7 +9184,7 @@
         <p:spPr>
           <a:xfrm>
             <a:off x="1312560" y="2038320"/>
-            <a:ext cx="4190760" cy="2281320"/>
+            <a:ext cx="4190400" cy="2280960"/>
           </a:xfrm>
           <a:prstGeom prst="rect">
             <a:avLst/>
@@ -9631,7 +9328,7 @@
         <p:spPr>
           <a:xfrm>
             <a:off x="1176120" y="519120"/>
-            <a:ext cx="8759520" cy="704520"/>
+            <a:ext cx="8759160" cy="704160"/>
           </a:xfrm>
           <a:prstGeom prst="rect">
             <a:avLst/>
@@ -9729,7 +9426,7 @@
         <p:spPr>
           <a:xfrm>
             <a:off x="1154520" y="973800"/>
-            <a:ext cx="8759520" cy="704520"/>
+            <a:ext cx="8759160" cy="704160"/>
           </a:xfrm>
           <a:prstGeom prst="rect">
             <a:avLst/>
@@ -9755,7 +9452,7 @@
         <p:spPr>
           <a:xfrm>
             <a:off x="1154520" y="2603520"/>
-            <a:ext cx="8823960" cy="3413880"/>
+            <a:ext cx="8823600" cy="3413520"/>
           </a:xfrm>
           <a:prstGeom prst="rect">
             <a:avLst/>
@@ -9774,7 +9471,7 @@
         <p:txBody>
           <a:bodyPr lIns="90000" rIns="90000" tIns="45000" bIns="45000"/>
           <a:p>
-            <a:pPr marL="343080" indent="-340560">
+            <a:pPr marL="343080" indent="-340200">
               <a:lnSpc>
                 <a:spcPct val="100000"/>
               </a:lnSpc>
@@ -9816,7 +9513,7 @@
             </a:endParaRPr>
           </a:p>
           <a:p>
-            <a:pPr marL="343080" indent="-340560">
+            <a:pPr marL="343080" indent="-340200">
               <a:lnSpc>
                 <a:spcPct val="100000"/>
               </a:lnSpc>
@@ -9868,7 +9565,7 @@
         <p:spPr>
           <a:xfrm>
             <a:off x="1176120" y="519120"/>
-            <a:ext cx="8759520" cy="704520"/>
+            <a:ext cx="8759160" cy="704160"/>
           </a:xfrm>
           <a:prstGeom prst="rect">
             <a:avLst/>
@@ -9966,7 +9663,7 @@
         <p:spPr>
           <a:xfrm>
             <a:off x="1154520" y="973800"/>
-            <a:ext cx="8759520" cy="704520"/>
+            <a:ext cx="8759160" cy="704160"/>
           </a:xfrm>
           <a:prstGeom prst="rect">
             <a:avLst/>
@@ -9992,7 +9689,7 @@
         <p:spPr>
           <a:xfrm>
             <a:off x="1154520" y="2603520"/>
-            <a:ext cx="8823960" cy="3413880"/>
+            <a:ext cx="8823600" cy="3413520"/>
           </a:xfrm>
           <a:prstGeom prst="rect">
             <a:avLst/>
@@ -10011,7 +9708,7 @@
         <p:txBody>
           <a:bodyPr lIns="90000" rIns="90000" tIns="45000" bIns="45000"/>
           <a:p>
-            <a:pPr marL="343080" indent="-340560">
+            <a:pPr marL="343080" indent="-340200">
               <a:lnSpc>
                 <a:spcPct val="100000"/>
               </a:lnSpc>
@@ -10051,7 +9748,7 @@
             </a:endParaRPr>
           </a:p>
           <a:p>
-            <a:pPr marL="343080" indent="-340560">
+            <a:pPr marL="343080" indent="-340200">
               <a:lnSpc>
                 <a:spcPct val="100000"/>
               </a:lnSpc>
@@ -10090,7 +9787,7 @@
             </a:endParaRPr>
           </a:p>
           <a:p>
-            <a:pPr marL="343080" indent="-340560">
+            <a:pPr marL="343080" indent="-340200">
               <a:lnSpc>
                 <a:spcPct val="100000"/>
               </a:lnSpc>
@@ -10129,7 +9826,7 @@
         <p:spPr>
           <a:xfrm>
             <a:off x="1176120" y="519120"/>
-            <a:ext cx="8759520" cy="704520"/>
+            <a:ext cx="8759160" cy="704160"/>
           </a:xfrm>
           <a:prstGeom prst="rect">
             <a:avLst/>
@@ -10227,7 +9924,7 @@
         <p:spPr>
           <a:xfrm>
             <a:off x="1154520" y="973800"/>
-            <a:ext cx="8759520" cy="704520"/>
+            <a:ext cx="8759160" cy="704160"/>
           </a:xfrm>
           <a:prstGeom prst="rect">
             <a:avLst/>
@@ -10253,7 +9950,7 @@
         <p:spPr>
           <a:xfrm>
             <a:off x="1154520" y="2603520"/>
-            <a:ext cx="4822920" cy="573840"/>
+            <a:ext cx="4822560" cy="573480"/>
           </a:xfrm>
           <a:prstGeom prst="rect">
             <a:avLst/>
@@ -10306,7 +10003,7 @@
         <p:spPr>
           <a:xfrm>
             <a:off x="1154520" y="3179880"/>
-            <a:ext cx="4822920" cy="2837520"/>
+            <a:ext cx="4822560" cy="2837160"/>
           </a:xfrm>
           <a:prstGeom prst="rect">
             <a:avLst/>
@@ -10338,7 +10035,7 @@
             </a:endParaRPr>
           </a:p>
           <a:p>
-            <a:pPr marL="343080" indent="-340560">
+            <a:pPr marL="343080" indent="-340200">
               <a:lnSpc>
                 <a:spcPct val="100000"/>
               </a:lnSpc>
@@ -10367,7 +10064,7 @@
             </a:endParaRPr>
           </a:p>
           <a:p>
-            <a:pPr marL="343080" indent="-340560">
+            <a:pPr marL="343080" indent="-340200">
               <a:lnSpc>
                 <a:spcPct val="100000"/>
               </a:lnSpc>
@@ -10396,7 +10093,7 @@
             </a:endParaRPr>
           </a:p>
           <a:p>
-            <a:pPr marL="343080" indent="-340560">
+            <a:pPr marL="343080" indent="-340200">
               <a:lnSpc>
                 <a:spcPct val="100000"/>
               </a:lnSpc>
@@ -10448,7 +10145,7 @@
         <p:spPr>
           <a:xfrm>
             <a:off x="6208560" y="2603520"/>
-            <a:ext cx="4822920" cy="573840"/>
+            <a:ext cx="4822560" cy="573480"/>
           </a:xfrm>
           <a:prstGeom prst="rect">
             <a:avLst/>
@@ -10501,7 +10198,7 @@
         <p:spPr>
           <a:xfrm>
             <a:off x="6208560" y="3179880"/>
-            <a:ext cx="5442120" cy="2837520"/>
+            <a:ext cx="5441760" cy="2837160"/>
           </a:xfrm>
           <a:prstGeom prst="rect">
             <a:avLst/>
@@ -10533,7 +10230,7 @@
             </a:endParaRPr>
           </a:p>
           <a:p>
-            <a:pPr marL="343080" indent="-340560">
+            <a:pPr marL="343080" indent="-340200">
               <a:lnSpc>
                 <a:spcPct val="100000"/>
               </a:lnSpc>
@@ -10562,7 +10259,7 @@
             </a:endParaRPr>
           </a:p>
           <a:p>
-            <a:pPr marL="343080" indent="-340560">
+            <a:pPr marL="343080" indent="-340200">
               <a:lnSpc>
                 <a:spcPct val="100000"/>
               </a:lnSpc>
@@ -10591,7 +10288,7 @@
             </a:endParaRPr>
           </a:p>
           <a:p>
-            <a:pPr marL="343080" indent="-340560">
+            <a:pPr marL="343080" indent="-340200">
               <a:lnSpc>
                 <a:spcPct val="100000"/>
               </a:lnSpc>
@@ -10643,7 +10340,7 @@
         <p:spPr>
           <a:xfrm>
             <a:off x="1176120" y="519120"/>
-            <a:ext cx="8759520" cy="704520"/>
+            <a:ext cx="8759160" cy="704160"/>
           </a:xfrm>
           <a:prstGeom prst="rect">
             <a:avLst/>
@@ -10741,7 +10438,7 @@
         <p:spPr>
           <a:xfrm>
             <a:off x="1154520" y="973800"/>
-            <a:ext cx="8759520" cy="704520"/>
+            <a:ext cx="8759160" cy="704160"/>
           </a:xfrm>
           <a:prstGeom prst="rect">
             <a:avLst/>
@@ -10767,7 +10464,7 @@
         <p:spPr>
           <a:xfrm>
             <a:off x="502560" y="2419920"/>
-            <a:ext cx="4336200" cy="1185480"/>
+            <a:ext cx="4335840" cy="1185120"/>
           </a:xfrm>
           <a:prstGeom prst="rect">
             <a:avLst/>
@@ -10793,7 +10490,7 @@
         <p:spPr>
           <a:xfrm>
             <a:off x="1153440" y="5339880"/>
-            <a:ext cx="4336200" cy="849960"/>
+            <a:ext cx="4335840" cy="849600"/>
           </a:xfrm>
           <a:prstGeom prst="rect">
             <a:avLst/>
@@ -10823,7 +10520,7 @@
         <p:spPr>
           <a:xfrm>
             <a:off x="5493240" y="1274400"/>
-            <a:ext cx="5522400" cy="5277240"/>
+            <a:ext cx="5522040" cy="5276880"/>
           </a:xfrm>
           <a:prstGeom prst="rect">
             <a:avLst/>
@@ -10842,7 +10539,7 @@
         <p:spPr>
           <a:xfrm>
             <a:off x="613800" y="4464000"/>
-            <a:ext cx="2841840" cy="821520"/>
+            <a:ext cx="2841480" cy="821160"/>
           </a:xfrm>
           <a:prstGeom prst="rect">
             <a:avLst/>
@@ -10921,7 +10618,7 @@
         <p:spPr>
           <a:xfrm>
             <a:off x="648000" y="1678680"/>
-            <a:ext cx="3314160" cy="2284560"/>
+            <a:ext cx="3313800" cy="2284200"/>
           </a:xfrm>
           <a:prstGeom prst="rect">
             <a:avLst/>
@@ -11120,7 +10817,7 @@
         <p:spPr>
           <a:xfrm>
             <a:off x="1176120" y="519120"/>
-            <a:ext cx="8759520" cy="704520"/>
+            <a:ext cx="8759160" cy="704160"/>
           </a:xfrm>
           <a:prstGeom prst="rect">
             <a:avLst/>
@@ -11218,7 +10915,7 @@
         <p:spPr>
           <a:xfrm>
             <a:off x="1154520" y="2603520"/>
-            <a:ext cx="8823960" cy="3413880"/>
+            <a:ext cx="8823600" cy="3413520"/>
           </a:xfrm>
           <a:prstGeom prst="rect">
             <a:avLst/>
@@ -11237,7 +10934,7 @@
         <p:txBody>
           <a:bodyPr lIns="90000" rIns="90000" tIns="45000" bIns="45000"/>
           <a:p>
-            <a:pPr marL="343080" indent="-340560">
+            <a:pPr marL="343080" indent="-340200">
               <a:lnSpc>
                 <a:spcPct val="100000"/>
               </a:lnSpc>
@@ -11276,7 +10973,7 @@
             </a:endParaRPr>
           </a:p>
           <a:p>
-            <a:pPr marL="343080" indent="-340560">
+            <a:pPr marL="343080" indent="-340200">
               <a:lnSpc>
                 <a:spcPct val="100000"/>
               </a:lnSpc>
@@ -11305,7 +11002,7 @@
             </a:endParaRPr>
           </a:p>
           <a:p>
-            <a:pPr marL="343080" indent="-340560">
+            <a:pPr marL="343080" indent="-340200">
               <a:lnSpc>
                 <a:spcPct val="100000"/>
               </a:lnSpc>
@@ -11334,7 +11031,7 @@
             </a:endParaRPr>
           </a:p>
           <a:p>
-            <a:pPr lvl="1" marL="800280" indent="-340560">
+            <a:pPr lvl="1" marL="800280" indent="-340200">
               <a:lnSpc>
                 <a:spcPct val="100000"/>
               </a:lnSpc>
@@ -11363,7 +11060,7 @@
             </a:endParaRPr>
           </a:p>
           <a:p>
-            <a:pPr lvl="1" marL="800280" indent="-340560">
+            <a:pPr lvl="1" marL="800280" indent="-340200">
               <a:lnSpc>
                 <a:spcPct val="100000"/>
               </a:lnSpc>
@@ -11392,7 +11089,7 @@
             </a:endParaRPr>
           </a:p>
           <a:p>
-            <a:pPr lvl="1" marL="800280" indent="-340560">
+            <a:pPr lvl="1" marL="800280" indent="-340200">
               <a:lnSpc>
                 <a:spcPct val="100000"/>
               </a:lnSpc>
@@ -11444,7 +11141,7 @@
         <p:spPr>
           <a:xfrm>
             <a:off x="1176120" y="519120"/>
-            <a:ext cx="8759520" cy="704520"/>
+            <a:ext cx="8759160" cy="704160"/>
           </a:xfrm>
           <a:prstGeom prst="rect">
             <a:avLst/>
@@ -11542,7 +11239,7 @@
         <p:spPr>
           <a:xfrm>
             <a:off x="609120" y="1604520"/>
-            <a:ext cx="10972800" cy="3976560"/>
+            <a:ext cx="10972440" cy="3976200"/>
           </a:xfrm>
           <a:prstGeom prst="rect">
             <a:avLst/>
@@ -11572,7 +11269,7 @@
         <p:spPr>
           <a:xfrm>
             <a:off x="0" y="1604520"/>
-            <a:ext cx="12192840" cy="5184000"/>
+            <a:ext cx="12192480" cy="5183640"/>
           </a:xfrm>
           <a:prstGeom prst="rect">
             <a:avLst/>
@@ -11591,7 +11288,7 @@
         <p:spPr>
           <a:xfrm>
             <a:off x="1176120" y="519120"/>
-            <a:ext cx="8759520" cy="704520"/>
+            <a:ext cx="8759160" cy="704160"/>
           </a:xfrm>
           <a:prstGeom prst="rect">
             <a:avLst/>

--- a/Documentation/Presentation/Final_Presentation.pptx
+++ b/Documentation/Presentation/Final_Presentation.pptx
@@ -133,6 +133,11 @@
       </a:defRPr>
     </a:lvl9pPr>
   </p:defaultTextStyle>
+  <p:extLst>
+    <p:ext uri="{EFAFB233-063F-42B5-8137-9DF3F51BA10A}">
+      <p15:sldGuideLst xmlns:p15="http://schemas.microsoft.com/office/powerpoint/2012/main"/>
+    </p:ext>
+  </p:extLst>
 </p:presentation>
 </file>
 
@@ -315,7 +320,7 @@
               <a:rPr lang="de-DE" sz="1400" b="0" strike="noStrike" spc="-1">
                 <a:latin typeface="Times New Roman"/>
               </a:rPr>
-              <a:t>‹Nr.›</a:t>
+              <a:t>‹#›</a:t>
             </a:fld>
             <a:endParaRPr lang="de-DE" sz="1400" b="0" strike="noStrike" spc="-1">
               <a:latin typeface="Times New Roman"/>
@@ -8948,29 +8953,6 @@
           <a:fontRef idx="minor"/>
         </p:style>
       </p:sp>
-      <p:pic>
-        <p:nvPicPr>
-          <p:cNvPr id="176" name="Picture 3"/>
-          <p:cNvPicPr/>
-          <p:nvPr/>
-        </p:nvPicPr>
-        <p:blipFill>
-          <a:blip r:embed="rId2"/>
-          <a:stretch/>
-        </p:blipFill>
-        <p:spPr>
-          <a:xfrm>
-            <a:off x="3384000" y="252000"/>
-            <a:ext cx="5289120" cy="6371280"/>
-          </a:xfrm>
-          <a:prstGeom prst="rect">
-            <a:avLst/>
-          </a:prstGeom>
-          <a:ln>
-            <a:noFill/>
-          </a:ln>
-        </p:spPr>
-      </p:pic>
       <p:sp>
         <p:nvSpPr>
           <p:cNvPr id="177" name="CustomShape 2"/>
@@ -9027,6 +9009,42 @@
           </a:p>
         </p:txBody>
       </p:sp>
+      <p:pic>
+        <p:nvPicPr>
+          <p:cNvPr id="3" name="Picture 2">
+            <a:extLst>
+              <a:ext uri="{FF2B5EF4-FFF2-40B4-BE49-F238E27FC236}">
+                <a16:creationId xmlns:a16="http://schemas.microsoft.com/office/drawing/2014/main" id="{B6380D8D-4CF9-4A67-BA5D-151C0B663865}"/>
+              </a:ext>
+            </a:extLst>
+          </p:cNvPr>
+          <p:cNvPicPr>
+            <a:picLocks noChangeAspect="1"/>
+          </p:cNvPicPr>
+          <p:nvPr/>
+        </p:nvPicPr>
+        <p:blipFill>
+          <a:blip r:embed="rId2">
+            <a:extLst>
+              <a:ext uri="{28A0092B-C50C-407E-A947-70E740481C1C}">
+                <a14:useLocalDpi xmlns:a14="http://schemas.microsoft.com/office/drawing/2010/main" val="0"/>
+              </a:ext>
+            </a:extLst>
+          </a:blip>
+          <a:stretch>
+            <a:fillRect/>
+          </a:stretch>
+        </p:blipFill>
+        <p:spPr>
+          <a:xfrm>
+            <a:off x="2875934" y="0"/>
+            <a:ext cx="9317653" cy="6858000"/>
+          </a:xfrm>
+          <a:prstGeom prst="rect">
+            <a:avLst/>
+          </a:prstGeom>
+        </p:spPr>
+      </p:pic>
     </p:spTree>
   </p:cSld>
   <p:clrMapOvr>
@@ -10175,9 +10193,6 @@
                 <a:spcPct val="100000"/>
               </a:lnSpc>
             </a:pPr>
-            <a:r>
-              <a:t/>
-            </a:r>
             <a:br/>
             <a:endParaRPr lang="de-DE" sz="1800" b="0" strike="noStrike" spc="-1">
               <a:latin typeface="Arial"/>
@@ -10252,7 +10267,7 @@
               </a:spcBef>
             </a:pPr>
             <a:r>
-              <a:rPr lang="de-DE" sz="2000" cap="all" spc="-1" dirty="0" err="1" smtClean="0">
+              <a:rPr lang="de-DE" sz="2000" cap="all" spc="-1" dirty="0" err="1">
                 <a:solidFill>
                   <a:srgbClr val="EF53A5"/>
                 </a:solidFill>
@@ -10261,7 +10276,7 @@
               <a:t>Scope</a:t>
             </a:r>
             <a:r>
-              <a:rPr lang="de-DE" sz="2000" cap="all" spc="-1" dirty="0" smtClean="0">
+              <a:rPr lang="de-DE" sz="2000" cap="all" spc="-1" dirty="0">
                 <a:solidFill>
                   <a:srgbClr val="EF53A5"/>
                 </a:solidFill>
